--- a/2019系统仿真-19-分析与测试.pptx
+++ b/2019系统仿真-19-分析与测试.pptx
@@ -5,10 +5,10 @@
     <p:sldMasterId id="2147483648" r:id="rId8"/>
   </p:sldMasterIdLst>
   <p:notesMasterIdLst>
-    <p:notesMasterId r:id="rId25"/>
+    <p:notesMasterId r:id="rId26"/>
   </p:notesMasterIdLst>
   <p:handoutMasterIdLst>
-    <p:handoutMasterId r:id="rId26"/>
+    <p:handoutMasterId r:id="rId27"/>
   </p:handoutMasterIdLst>
   <p:sldIdLst>
     <p:sldId id="256" r:id="rId9"/>
@@ -25,8 +25,9 @@
     <p:sldId id="269" r:id="rId20"/>
     <p:sldId id="274" r:id="rId21"/>
     <p:sldId id="264" r:id="rId22"/>
-    <p:sldId id="262" r:id="rId23"/>
-    <p:sldId id="266" r:id="rId24"/>
+    <p:sldId id="275" r:id="rId23"/>
+    <p:sldId id="262" r:id="rId24"/>
+    <p:sldId id="266" r:id="rId25"/>
   </p:sldIdLst>
   <p:sldSz cx="12188825" cy="6858000"/>
   <p:notesSz cx="6858000" cy="9144000"/>
@@ -3402,12 +3403,12 @@
     <dgm:cxn modelId="{D0C2091E-1E52-9F48-A788-33241BFAE94B}" type="presOf" srcId="{B0EBB8EA-9560-0349-8E26-3204094462AA}" destId="{85779B0E-0453-2E45-A1CA-4A7F3D873BE1}" srcOrd="0" destOrd="0" presId="urn:microsoft.com/office/officeart/2005/8/layout/balance1"/>
     <dgm:cxn modelId="{40DD8F3F-81A1-9B45-A971-68F94E89FD69}" srcId="{9AE1D321-AEE7-8C40-BD2A-EF2B09426246}" destId="{D14AB982-09E0-8945-9920-11CE65C90CD5}" srcOrd="0" destOrd="0" parTransId="{4B723C64-D8A1-7948-A21C-8DF400DA42DB}" sibTransId="{747A60C1-4934-FF4F-AFDB-F635D6034DC9}"/>
     <dgm:cxn modelId="{A7DDF941-7ED9-DA44-B825-B6E0F7179555}" type="presOf" srcId="{9AE1D321-AEE7-8C40-BD2A-EF2B09426246}" destId="{CA96F3E5-F59C-C74A-8450-C42B1B2EEBFD}" srcOrd="0" destOrd="0" presId="urn:microsoft.com/office/officeart/2005/8/layout/balance1"/>
+    <dgm:cxn modelId="{3D12D76F-DFBC-4E45-BFF7-A5DD99E0D4FB}" srcId="{75FEEE9F-319F-A24D-88BF-8C835180C0A5}" destId="{B0EBB8EA-9560-0349-8E26-3204094462AA}" srcOrd="0" destOrd="0" parTransId="{1C170AB3-62CA-1F4F-8F41-1101716E1E52}" sibTransId="{EA1BBC6F-F06D-F741-A5ED-20695BA44DA2}"/>
+    <dgm:cxn modelId="{41E6FE6F-61A2-6447-BC26-6E1CE2A5B05A}" type="presOf" srcId="{7065CB3A-4795-1748-B2E7-8E9B611C5C8D}" destId="{E127852B-6FCC-3740-BED3-1718F83CA4F9}" srcOrd="0" destOrd="0" presId="urn:microsoft.com/office/officeart/2005/8/layout/balance1"/>
+    <dgm:cxn modelId="{85924270-88A4-6A44-BEE5-C07DD9011543}" srcId="{75FEEE9F-319F-A24D-88BF-8C835180C0A5}" destId="{B4A20B6F-8DB4-994C-AC20-C65D93D38212}" srcOrd="1" destOrd="0" parTransId="{7B928000-8671-1F45-98EF-D90C24515F8C}" sibTransId="{B74A2E6B-42F7-364A-97BF-50795E477BA5}"/>
     <dgm:cxn modelId="{552FD654-7EA7-4F43-9070-0D020D9F3668}" srcId="{9AE1D321-AEE7-8C40-BD2A-EF2B09426246}" destId="{566C09AC-F27A-334F-800D-A6FC7729D61A}" srcOrd="2" destOrd="0" parTransId="{31768A48-EB39-9844-9F20-F25A1E9BA3CA}" sibTransId="{329A3741-1C13-C242-9AB3-3AB16E0DBA28}"/>
     <dgm:cxn modelId="{60015D57-67ED-E441-B51C-1EE2B29F06B8}" srcId="{9AE1D321-AEE7-8C40-BD2A-EF2B09426246}" destId="{7065CB3A-4795-1748-B2E7-8E9B611C5C8D}" srcOrd="1" destOrd="0" parTransId="{AFBDB4BD-38EF-AD46-A0CA-983C6DFB2DFE}" sibTransId="{EEC0A224-2EFB-9E40-BAB0-59B88AE0F166}"/>
     <dgm:cxn modelId="{FE447257-CB79-5A46-B543-3B937D7418AB}" type="presOf" srcId="{B4A20B6F-8DB4-994C-AC20-C65D93D38212}" destId="{B1E5714D-129D-5E4E-A2B8-0C559E7166BE}" srcOrd="0" destOrd="0" presId="urn:microsoft.com/office/officeart/2005/8/layout/balance1"/>
-    <dgm:cxn modelId="{3D12D76F-DFBC-4E45-BFF7-A5DD99E0D4FB}" srcId="{75FEEE9F-319F-A24D-88BF-8C835180C0A5}" destId="{B0EBB8EA-9560-0349-8E26-3204094462AA}" srcOrd="0" destOrd="0" parTransId="{1C170AB3-62CA-1F4F-8F41-1101716E1E52}" sibTransId="{EA1BBC6F-F06D-F741-A5ED-20695BA44DA2}"/>
-    <dgm:cxn modelId="{41E6FE6F-61A2-6447-BC26-6E1CE2A5B05A}" type="presOf" srcId="{7065CB3A-4795-1748-B2E7-8E9B611C5C8D}" destId="{E127852B-6FCC-3740-BED3-1718F83CA4F9}" srcOrd="0" destOrd="0" presId="urn:microsoft.com/office/officeart/2005/8/layout/balance1"/>
-    <dgm:cxn modelId="{85924270-88A4-6A44-BEE5-C07DD9011543}" srcId="{75FEEE9F-319F-A24D-88BF-8C835180C0A5}" destId="{B4A20B6F-8DB4-994C-AC20-C65D93D38212}" srcOrd="1" destOrd="0" parTransId="{7B928000-8671-1F45-98EF-D90C24515F8C}" sibTransId="{B74A2E6B-42F7-364A-97BF-50795E477BA5}"/>
     <dgm:cxn modelId="{5EAFAE8D-A1C4-0043-A6E7-37A33B431BE5}" srcId="{E33A5FB0-8858-A944-AD83-80343012C109}" destId="{75FEEE9F-319F-A24D-88BF-8C835180C0A5}" srcOrd="0" destOrd="0" parTransId="{D654F315-E1A3-2541-A87A-A45EA80701A2}" sibTransId="{88057F4C-C02B-7145-9D6A-DA1D0C6320D1}"/>
     <dgm:cxn modelId="{3B78529C-DDC1-3A49-B56F-40ADBB042A7F}" type="presOf" srcId="{D14AB982-09E0-8945-9920-11CE65C90CD5}" destId="{126F09AF-EC53-6C4D-899A-D293E4626BED}" srcOrd="0" destOrd="0" presId="urn:microsoft.com/office/officeart/2005/8/layout/balance1"/>
     <dgm:cxn modelId="{B652E2C7-0706-2A43-8D25-25550041E8E5}" srcId="{E33A5FB0-8858-A944-AD83-80343012C109}" destId="{9AE1D321-AEE7-8C40-BD2A-EF2B09426246}" srcOrd="1" destOrd="0" parTransId="{1ED7852F-2C06-E84C-BFF1-A70B526DF918}" sibTransId="{7DCF54F7-E738-E849-9E47-75CAFF8994A9}"/>
@@ -11814,7 +11815,7 @@
                 <a:latin typeface="微软雅黑" panose="020B0503020204020204" pitchFamily="34" charset="-122"/>
                 <a:ea typeface="微软雅黑" panose="020B0503020204020204" pitchFamily="34" charset="-122"/>
               </a:rPr>
-              <a:t>2019年6月9日 Sunday</a:t>
+              <a:t>2019年6月9日</a:t>
             </a:fld>
             <a:endParaRPr lang="zh-CN" altLang="en-US" dirty="0">
               <a:latin typeface="微软雅黑" panose="020B0503020204020204" pitchFamily="34" charset="-122"/>
@@ -12006,7 +12007,7 @@
             <a:fld id="{07D6BDDC-F39A-4E16-93D6-E40B88AA6D58}" type="datetime2">
               <a:rPr lang="zh-CN" altLang="en-US" smtClean="0"/>
               <a:pPr/>
-              <a:t>2019年6月9日 Sunday</a:t>
+              <a:t>2019年6月9日</a:t>
             </a:fld>
             <a:endParaRPr lang="zh-CN" altLang="en-US" dirty="0"/>
           </a:p>
@@ -13323,7 +13324,7 @@
             <a:fld id="{4947C3F0-2957-4D41-9FB7-182757A04D67}" type="datetime2">
               <a:rPr lang="zh-CN" altLang="en-US" smtClean="0"/>
               <a:pPr/>
-              <a:t>2019年6月9日 Sunday</a:t>
+              <a:t>2019年6月9日</a:t>
             </a:fld>
             <a:endParaRPr lang="zh-CN" altLang="en-US" dirty="0"/>
           </a:p>
@@ -13556,7 +13557,7 @@
             <a:fld id="{8DF8E148-EC1F-43A2-8C9E-1F57F6D08A76}" type="datetime2">
               <a:rPr lang="zh-CN" altLang="en-US" smtClean="0"/>
               <a:pPr/>
-              <a:t>2019年6月9日 Sunday</a:t>
+              <a:t>2019年6月9日</a:t>
             </a:fld>
             <a:endParaRPr lang="zh-CN" altLang="en-US" dirty="0"/>
           </a:p>
@@ -14438,7 +14439,7 @@
             <a:fld id="{FB7B4C11-1E14-4887-9E78-A9346EC068F1}" type="datetime2">
               <a:rPr lang="zh-CN" altLang="en-US" smtClean="0"/>
               <a:pPr/>
-              <a:t>2019年6月9日 Sunday</a:t>
+              <a:t>2019年6月9日</a:t>
             </a:fld>
             <a:endParaRPr lang="zh-CN" altLang="en-US" dirty="0"/>
           </a:p>
@@ -14697,7 +14698,7 @@
             <a:fld id="{86FD5D46-E987-42B2-B42C-B8920598FADE}" type="datetime2">
               <a:rPr lang="zh-CN" altLang="en-US" smtClean="0"/>
               <a:pPr/>
-              <a:t>2019年6月9日 Sunday</a:t>
+              <a:t>2019年6月9日</a:t>
             </a:fld>
             <a:endParaRPr lang="zh-CN" altLang="en-US" dirty="0"/>
           </a:p>
@@ -16023,7 +16024,7 @@
             <a:fld id="{8365F240-A7EF-41C8-A85B-C448CF84B5E5}" type="datetime2">
               <a:rPr lang="zh-CN" altLang="en-US" smtClean="0"/>
               <a:pPr/>
-              <a:t>2019年6月9日 Sunday</a:t>
+              <a:t>2019年6月9日</a:t>
             </a:fld>
             <a:endParaRPr lang="zh-CN" altLang="en-US" dirty="0"/>
           </a:p>
@@ -16358,7 +16359,7 @@
             <a:fld id="{F770B30E-8728-44DB-AEE3-E4A75AEDBBD9}" type="datetime2">
               <a:rPr lang="zh-CN" altLang="en-US" smtClean="0"/>
               <a:pPr/>
-              <a:t>2019年6月9日 Sunday</a:t>
+              <a:t>2019年6月9日</a:t>
             </a:fld>
             <a:endParaRPr lang="zh-CN" altLang="en-US" dirty="0"/>
           </a:p>
@@ -16859,7 +16860,7 @@
             <a:fld id="{680BCF82-A51A-4389-A573-378AD02C5141}" type="datetime2">
               <a:rPr lang="zh-CN" altLang="en-US" smtClean="0"/>
               <a:pPr/>
-              <a:t>2019年6月9日 Sunday</a:t>
+              <a:t>2019年6月9日</a:t>
             </a:fld>
             <a:endParaRPr lang="zh-CN" altLang="en-US" dirty="0"/>
           </a:p>
@@ -17014,7 +17015,7 @@
             <a:fld id="{CE03A716-E3DC-4D9D-823C-60FCD8C9B163}" type="datetime2">
               <a:rPr lang="zh-CN" altLang="en-US" smtClean="0"/>
               <a:pPr/>
-              <a:t>2019年6月9日 Sunday</a:t>
+              <a:t>2019年6月9日</a:t>
             </a:fld>
             <a:endParaRPr lang="zh-CN" altLang="en-US" dirty="0"/>
           </a:p>
@@ -17374,7 +17375,7 @@
             <a:fld id="{C16B8A94-44E5-4844-A22C-F796FCAA90D9}" type="datetime2">
               <a:rPr lang="zh-CN" altLang="en-US" smtClean="0"/>
               <a:pPr/>
-              <a:t>2019年6月9日 Sunday</a:t>
+              <a:t>2019年6月9日</a:t>
             </a:fld>
             <a:endParaRPr lang="zh-CN" altLang="en-US" dirty="0"/>
           </a:p>
@@ -17916,7 +17917,7 @@
             <a:fld id="{F288B2AC-AC0A-4E49-82A3-94EE74FA7FBF}" type="datetime2">
               <a:rPr lang="zh-CN" altLang="en-US" smtClean="0"/>
               <a:pPr/>
-              <a:t>2019年6月9日 Sunday</a:t>
+              <a:t>2019年6月9日</a:t>
             </a:fld>
             <a:endParaRPr lang="zh-CN" altLang="en-US" dirty="0"/>
           </a:p>
@@ -18402,7 +18403,7 @@
             <a:fld id="{1878E339-1BD2-4FEE-A113-9A0301740CF6}" type="datetime2">
               <a:rPr lang="zh-CN" altLang="en-US" smtClean="0"/>
               <a:pPr/>
-              <a:t>2019年6月9日 Sunday</a:t>
+              <a:t>2019年6月9日</a:t>
             </a:fld>
             <a:endParaRPr lang="zh-CN" altLang="en-US" dirty="0"/>
           </a:p>
@@ -19325,7 +19326,7 @@
             <a:fld id="{A339CB27-C670-4AAB-948C-7E3D1D9FAE30}" type="datetime2">
               <a:rPr lang="zh-CN" altLang="en-US" smtClean="0"/>
               <a:pPr/>
-              <a:t>2019年6月9日 Sunday</a:t>
+              <a:t>2019年6月9日</a:t>
             </a:fld>
             <a:endParaRPr lang="zh-CN" altLang="en-US" dirty="0"/>
           </a:p>
@@ -20571,10 +20572,198 @@
           <a:bodyPr/>
           <a:lstStyle/>
           <a:p>
-            <a:endParaRPr kumimoji="1" lang="zh-CN" altLang="en-US"/>
+            <a:r>
+              <a:rPr kumimoji="1" lang="zh-CN" altLang="en-US"/>
+              <a:t>图解分析法帮助在动态过程中找到变量之间的关系</a:t>
+            </a:r>
           </a:p>
         </p:txBody>
       </p:sp>
+      <p:graphicFrame>
+        <p:nvGraphicFramePr>
+          <p:cNvPr id="6" name="对象 5">
+            <a:extLst>
+              <a:ext uri="{FF2B5EF4-FFF2-40B4-BE49-F238E27FC236}">
+                <a16:creationId xmlns:a16="http://schemas.microsoft.com/office/drawing/2014/main" id="{0437C1E0-F57B-455B-81D5-7C5F3E6B8E95}"/>
+              </a:ext>
+            </a:extLst>
+          </p:cNvPr>
+          <p:cNvGraphicFramePr>
+            <a:graphicFrameLocks noChangeAspect="1"/>
+          </p:cNvGraphicFramePr>
+          <p:nvPr>
+            <p:extLst>
+              <p:ext uri="{D42A27DB-BD31-4B8C-83A1-F6EECF244321}">
+                <p14:modId xmlns:p14="http://schemas.microsoft.com/office/powerpoint/2010/main" val="2552453214"/>
+              </p:ext>
+            </p:extLst>
+          </p:nvPr>
+        </p:nvGraphicFramePr>
+        <p:xfrm>
+          <a:off x="1980542" y="2276872"/>
+          <a:ext cx="2785440" cy="557088"/>
+        </p:xfrm>
+        <a:graphic>
+          <a:graphicData uri="http://schemas.openxmlformats.org/presentationml/2006/ole">
+            <mc:AlternateContent xmlns:mc="http://schemas.openxmlformats.org/markup-compatibility/2006">
+              <mc:Choice xmlns:v="urn:schemas-microsoft-com:vml" Requires="v">
+                <p:oleObj spid="_x0000_s1030" name="Equation" r:id="rId3" imgW="888840" imgH="177480" progId="Equation.DSMT4">
+                  <p:embed/>
+                </p:oleObj>
+              </mc:Choice>
+              <mc:Fallback>
+                <p:oleObj name="Equation" r:id="rId3" imgW="888840" imgH="177480" progId="Equation.DSMT4">
+                  <p:embed/>
+                  <p:pic>
+                    <p:nvPicPr>
+                      <p:cNvPr id="0" name=""/>
+                      <p:cNvPicPr/>
+                      <p:nvPr/>
+                    </p:nvPicPr>
+                    <p:blipFill>
+                      <a:blip r:embed="rId4"/>
+                      <a:stretch>
+                        <a:fillRect/>
+                      </a:stretch>
+                    </p:blipFill>
+                    <p:spPr>
+                      <a:xfrm>
+                        <a:off x="1980542" y="2276872"/>
+                        <a:ext cx="2785440" cy="557088"/>
+                      </a:xfrm>
+                      <a:prstGeom prst="rect">
+                        <a:avLst/>
+                      </a:prstGeom>
+                    </p:spPr>
+                  </p:pic>
+                </p:oleObj>
+              </mc:Fallback>
+            </mc:AlternateContent>
+          </a:graphicData>
+        </a:graphic>
+      </p:graphicFrame>
+      <p:graphicFrame>
+        <p:nvGraphicFramePr>
+          <p:cNvPr id="7" name="对象 6">
+            <a:extLst>
+              <a:ext uri="{FF2B5EF4-FFF2-40B4-BE49-F238E27FC236}">
+                <a16:creationId xmlns:a16="http://schemas.microsoft.com/office/drawing/2014/main" id="{3A2AAFBF-41BA-4D56-AC97-6B2A85598E77}"/>
+              </a:ext>
+            </a:extLst>
+          </p:cNvPr>
+          <p:cNvGraphicFramePr>
+            <a:graphicFrameLocks noChangeAspect="1"/>
+          </p:cNvGraphicFramePr>
+          <p:nvPr>
+            <p:extLst>
+              <p:ext uri="{D42A27DB-BD31-4B8C-83A1-F6EECF244321}">
+                <p14:modId xmlns:p14="http://schemas.microsoft.com/office/powerpoint/2010/main" val="3042382978"/>
+              </p:ext>
+            </p:extLst>
+          </p:nvPr>
+        </p:nvGraphicFramePr>
+        <p:xfrm>
+          <a:off x="1980542" y="3016523"/>
+          <a:ext cx="2467100" cy="557087"/>
+        </p:xfrm>
+        <a:graphic>
+          <a:graphicData uri="http://schemas.openxmlformats.org/presentationml/2006/ole">
+            <mc:AlternateContent xmlns:mc="http://schemas.openxmlformats.org/markup-compatibility/2006">
+              <mc:Choice xmlns:v="urn:schemas-microsoft-com:vml" Requires="v">
+                <p:oleObj spid="_x0000_s1031" name="Equation" r:id="rId5" imgW="787320" imgH="177480" progId="Equation.DSMT4">
+                  <p:embed/>
+                </p:oleObj>
+              </mc:Choice>
+              <mc:Fallback>
+                <p:oleObj name="Equation" r:id="rId5" imgW="787320" imgH="177480" progId="Equation.DSMT4">
+                  <p:embed/>
+                  <p:pic>
+                    <p:nvPicPr>
+                      <p:cNvPr id="0" name=""/>
+                      <p:cNvPicPr/>
+                      <p:nvPr/>
+                    </p:nvPicPr>
+                    <p:blipFill>
+                      <a:blip r:embed="rId6"/>
+                      <a:stretch>
+                        <a:fillRect/>
+                      </a:stretch>
+                    </p:blipFill>
+                    <p:spPr>
+                      <a:xfrm>
+                        <a:off x="1980542" y="3016523"/>
+                        <a:ext cx="2467100" cy="557087"/>
+                      </a:xfrm>
+                      <a:prstGeom prst="rect">
+                        <a:avLst/>
+                      </a:prstGeom>
+                    </p:spPr>
+                  </p:pic>
+                </p:oleObj>
+              </mc:Fallback>
+            </mc:AlternateContent>
+          </a:graphicData>
+        </a:graphic>
+      </p:graphicFrame>
+      <p:pic>
+        <p:nvPicPr>
+          <p:cNvPr id="8" name="图片 7">
+            <a:extLst>
+              <a:ext uri="{FF2B5EF4-FFF2-40B4-BE49-F238E27FC236}">
+                <a16:creationId xmlns:a16="http://schemas.microsoft.com/office/drawing/2014/main" id="{35355D61-57FF-47E7-AFB7-AE70E7EA675F}"/>
+              </a:ext>
+            </a:extLst>
+          </p:cNvPr>
+          <p:cNvPicPr>
+            <a:picLocks noChangeAspect="1"/>
+          </p:cNvPicPr>
+          <p:nvPr/>
+        </p:nvPicPr>
+        <p:blipFill rotWithShape="1">
+          <a:blip r:embed="rId7"/>
+          <a:srcRect l="23221" r="22699"/>
+          <a:stretch/>
+        </p:blipFill>
+        <p:spPr>
+          <a:xfrm>
+            <a:off x="7894612" y="3263900"/>
+            <a:ext cx="3384376" cy="3594100"/>
+          </a:xfrm>
+          <a:prstGeom prst="rect">
+            <a:avLst/>
+          </a:prstGeom>
+        </p:spPr>
+      </p:pic>
+      <p:pic>
+        <p:nvPicPr>
+          <p:cNvPr id="9" name="图片 8">
+            <a:extLst>
+              <a:ext uri="{FF2B5EF4-FFF2-40B4-BE49-F238E27FC236}">
+                <a16:creationId xmlns:a16="http://schemas.microsoft.com/office/drawing/2014/main" id="{1252402F-3B48-4AC3-8101-1761796BAA84}"/>
+              </a:ext>
+            </a:extLst>
+          </p:cNvPr>
+          <p:cNvPicPr>
+            <a:picLocks noChangeAspect="1"/>
+          </p:cNvPicPr>
+          <p:nvPr/>
+        </p:nvPicPr>
+        <p:blipFill>
+          <a:blip r:embed="rId8"/>
+          <a:stretch>
+            <a:fillRect/>
+          </a:stretch>
+        </p:blipFill>
+        <p:spPr>
+          <a:xfrm>
+            <a:off x="2071654" y="4502150"/>
+            <a:ext cx="2284875" cy="1117600"/>
+          </a:xfrm>
+          <a:prstGeom prst="rect">
+            <a:avLst/>
+          </a:prstGeom>
+        </p:spPr>
+      </p:pic>
     </p:spTree>
     <p:extLst>
       <p:ext uri="{BB962C8B-B14F-4D97-AF65-F5344CB8AC3E}">
@@ -20617,6 +20806,168 @@
           <a:chExt cx="0" cy="0"/>
         </a:xfrm>
       </p:grpSpPr>
+      <p:pic>
+        <p:nvPicPr>
+          <p:cNvPr id="5" name="图片 4">
+            <a:extLst>
+              <a:ext uri="{FF2B5EF4-FFF2-40B4-BE49-F238E27FC236}">
+                <a16:creationId xmlns:a16="http://schemas.microsoft.com/office/drawing/2014/main" id="{AC389133-EA0B-480C-87DA-F0E151F570A4}"/>
+              </a:ext>
+            </a:extLst>
+          </p:cNvPr>
+          <p:cNvPicPr>
+            <a:picLocks noChangeAspect="1"/>
+          </p:cNvPicPr>
+          <p:nvPr/>
+        </p:nvPicPr>
+        <p:blipFill>
+          <a:blip r:embed="rId2"/>
+          <a:stretch>
+            <a:fillRect/>
+          </a:stretch>
+        </p:blipFill>
+        <p:spPr>
+          <a:xfrm>
+            <a:off x="1053852" y="44624"/>
+            <a:ext cx="5400600" cy="2335076"/>
+          </a:xfrm>
+          <a:prstGeom prst="rect">
+            <a:avLst/>
+          </a:prstGeom>
+        </p:spPr>
+      </p:pic>
+      <p:pic>
+        <p:nvPicPr>
+          <p:cNvPr id="7" name="图片 6">
+            <a:extLst>
+              <a:ext uri="{FF2B5EF4-FFF2-40B4-BE49-F238E27FC236}">
+                <a16:creationId xmlns:a16="http://schemas.microsoft.com/office/drawing/2014/main" id="{35FD3587-03F3-40A8-9E18-EFEE2C85696D}"/>
+              </a:ext>
+            </a:extLst>
+          </p:cNvPr>
+          <p:cNvPicPr>
+            <a:picLocks noChangeAspect="1"/>
+          </p:cNvPicPr>
+          <p:nvPr/>
+        </p:nvPicPr>
+        <p:blipFill>
+          <a:blip r:embed="rId3"/>
+          <a:stretch>
+            <a:fillRect/>
+          </a:stretch>
+        </p:blipFill>
+        <p:spPr>
+          <a:xfrm>
+            <a:off x="693812" y="3580291"/>
+            <a:ext cx="5668369" cy="2831384"/>
+          </a:xfrm>
+          <a:prstGeom prst="rect">
+            <a:avLst/>
+          </a:prstGeom>
+        </p:spPr>
+      </p:pic>
+      <p:pic>
+        <p:nvPicPr>
+          <p:cNvPr id="9" name="图片 8">
+            <a:extLst>
+              <a:ext uri="{FF2B5EF4-FFF2-40B4-BE49-F238E27FC236}">
+                <a16:creationId xmlns:a16="http://schemas.microsoft.com/office/drawing/2014/main" id="{D4AE1183-52E4-4103-BC7F-4854EA23FA5D}"/>
+              </a:ext>
+            </a:extLst>
+          </p:cNvPr>
+          <p:cNvPicPr>
+            <a:picLocks noChangeAspect="1"/>
+          </p:cNvPicPr>
+          <p:nvPr/>
+        </p:nvPicPr>
+        <p:blipFill>
+          <a:blip r:embed="rId4"/>
+          <a:stretch>
+            <a:fillRect/>
+          </a:stretch>
+        </p:blipFill>
+        <p:spPr>
+          <a:xfrm>
+            <a:off x="6788225" y="188640"/>
+            <a:ext cx="5400600" cy="3101668"/>
+          </a:xfrm>
+          <a:prstGeom prst="rect">
+            <a:avLst/>
+          </a:prstGeom>
+        </p:spPr>
+      </p:pic>
+      <p:pic>
+        <p:nvPicPr>
+          <p:cNvPr id="11" name="图片 10">
+            <a:extLst>
+              <a:ext uri="{FF2B5EF4-FFF2-40B4-BE49-F238E27FC236}">
+                <a16:creationId xmlns:a16="http://schemas.microsoft.com/office/drawing/2014/main" id="{B99B3CE3-355F-4686-9EB3-BF0D2A1F6D91}"/>
+              </a:ext>
+            </a:extLst>
+          </p:cNvPr>
+          <p:cNvPicPr>
+            <a:picLocks noChangeAspect="1"/>
+          </p:cNvPicPr>
+          <p:nvPr/>
+        </p:nvPicPr>
+        <p:blipFill>
+          <a:blip r:embed="rId5"/>
+          <a:stretch>
+            <a:fillRect/>
+          </a:stretch>
+        </p:blipFill>
+        <p:spPr>
+          <a:xfrm>
+            <a:off x="6788225" y="3717032"/>
+            <a:ext cx="5400600" cy="3020791"/>
+          </a:xfrm>
+          <a:prstGeom prst="rect">
+            <a:avLst/>
+          </a:prstGeom>
+        </p:spPr>
+      </p:pic>
+    </p:spTree>
+    <p:extLst>
+      <p:ext uri="{BB962C8B-B14F-4D97-AF65-F5344CB8AC3E}">
+        <p14:creationId xmlns:p14="http://schemas.microsoft.com/office/powerpoint/2010/main" val="2406782124"/>
+      </p:ext>
+    </p:extLst>
+  </p:cSld>
+  <p:clrMapOvr>
+    <a:masterClrMapping/>
+  </p:clrMapOvr>
+  <mc:AlternateContent xmlns:mc="http://schemas.openxmlformats.org/markup-compatibility/2006" xmlns:p14="http://schemas.microsoft.com/office/powerpoint/2010/main">
+    <mc:Choice Requires="p14">
+      <p:transition spd="med" p14:dur="700">
+        <p:fade/>
+      </p:transition>
+    </mc:Choice>
+    <mc:Fallback xmlns="">
+      <p:transition spd="med">
+        <p:fade/>
+      </p:transition>
+    </mc:Fallback>
+  </mc:AlternateContent>
+</p:sld>
+</file>
+
+<file path=ppt/slides/slide16.xml><?xml version="1.0" encoding="utf-8"?>
+<p:sld xmlns:a="http://schemas.openxmlformats.org/drawingml/2006/main" xmlns:r="http://schemas.openxmlformats.org/officeDocument/2006/relationships" xmlns:p="http://schemas.openxmlformats.org/presentationml/2006/main">
+  <p:cSld>
+    <p:spTree>
+      <p:nvGrpSpPr>
+        <p:cNvPr id="1" name=""/>
+        <p:cNvGrpSpPr/>
+        <p:nvPr/>
+      </p:nvGrpSpPr>
+      <p:grpSpPr>
+        <a:xfrm>
+          <a:off x="0" y="0"/>
+          <a:ext cx="0" cy="0"/>
+          <a:chOff x="0" y="0"/>
+          <a:chExt cx="0" cy="0"/>
+        </a:xfrm>
+      </p:grpSpPr>
       <p:sp>
         <p:nvSpPr>
           <p:cNvPr id="2" name="标题 1">
@@ -20733,7 +21084,7 @@
 </p:sld>
 </file>
 
-<file path=ppt/slides/slide16.xml><?xml version="1.0" encoding="utf-8"?>
+<file path=ppt/slides/slide17.xml><?xml version="1.0" encoding="utf-8"?>
 <p:sld xmlns:a="http://schemas.openxmlformats.org/drawingml/2006/main" xmlns:r="http://schemas.openxmlformats.org/officeDocument/2006/relationships" xmlns:p="http://schemas.openxmlformats.org/presentationml/2006/main">
   <p:cSld>
     <p:spTree>
@@ -22966,13 +23317,13 @@
 
 <file path=customXml/item2.xml><?xml version="1.0" encoding="utf-8"?>
 <Control xmlns="http://schemas.microsoft.com/VisualStudio/2011/storyboarding/control">
-  <Id Name="5e505f8e-b0aa-429a-bb4c-92ab0e8a8ee6" RevisionId="d2083f08-ba4f-4330-87aa-e4d23a4443d7" Stencil="172d6d98-e5c9-42e9-a209-79f7a94bbd38" StencilRevisionId="00000000-0000-0000-0000-000000000000" StencilVersion="0.0"/>
+  <Id Name="System.Storyboarding.Common.TextInput" Revision="1" Stencil="System.Storyboarding.Common" StencilVersion="0.1"/>
 </Control>
 </file>
 
 <file path=customXml/item3.xml><?xml version="1.0" encoding="utf-8"?>
 <Control xmlns="http://schemas.microsoft.com/VisualStudio/2011/storyboarding/control">
-  <Id Name="System.Storyboarding.Common.DragSelection" Revision="1" Stencil="System.Storyboarding.Common" StencilVersion="0.1"/>
+  <Id Name="System.Storyboarding.WindowsApps.WindowsAppsListBox" Revision="1" Stencil="System.Storyboarding.WindowsApps" StencilVersion="0.1"/>
 </Control>
 </file>
 
@@ -22984,17 +23335,11 @@
 
 <file path=customXml/item5.xml><?xml version="1.0" encoding="utf-8"?>
 <Control xmlns="http://schemas.microsoft.com/VisualStudio/2011/storyboarding/control">
-  <Id Name="System.Storyboarding.WindowsApps.WindowsAppsListBox" Revision="1" Stencil="System.Storyboarding.WindowsApps" StencilVersion="0.1"/>
+  <Id Name="System.Storyboarding.Common.DragSelection" Revision="1" Stencil="System.Storyboarding.Common" StencilVersion="0.1"/>
 </Control>
 </file>
 
 <file path=customXml/item6.xml><?xml version="1.0" encoding="utf-8"?>
-<Control xmlns="http://schemas.microsoft.com/VisualStudio/2011/storyboarding/control">
-  <Id Name="System.Storyboarding.Common.TextInput" Revision="1" Stencil="System.Storyboarding.Common" StencilVersion="0.1"/>
-</Control>
-</file>
-
-<file path=customXml/item7.xml><?xml version="1.0" encoding="utf-8"?>
 <p:properties xmlns:p="http://schemas.microsoft.com/office/2006/metadata/properties" xmlns:xsi="http://www.w3.org/2001/XMLSchema-instance" xmlns:pc="http://schemas.microsoft.com/office/infopath/2007/PartnerControls">
   <documentManagement>
     <_dlc_DocId xmlns="b4ebf394-daf6-497a-96c5-a2f8c10b38cf">TT6HZDVJM2HV-178-321</_dlc_DocId>
@@ -23006,6 +23351,12 @@
 </p:properties>
 </file>
 
+<file path=customXml/item7.xml><?xml version="1.0" encoding="utf-8"?>
+<Control xmlns="http://schemas.microsoft.com/VisualStudio/2011/storyboarding/control">
+  <Id Name="5e505f8e-b0aa-429a-bb4c-92ab0e8a8ee6" RevisionId="d2083f08-ba4f-4330-87aa-e4d23a4443d7" Stencil="172d6d98-e5c9-42e9-a209-79f7a94bbd38" StencilRevisionId="00000000-0000-0000-0000-000000000000" StencilVersion="0.0"/>
+</Control>
+</file>
+
 <file path=customXml/itemProps1.xml><?xml version="1.0" encoding="utf-8"?>
 <ds:datastoreItem xmlns:ds="http://schemas.openxmlformats.org/officeDocument/2006/customXml" ds:itemID="{EE994FE8-9D1B-4C75-9803-F4D3D8088B5B}">
   <ds:schemaRefs>
@@ -23015,7 +23366,7 @@
 </file>
 
 <file path=customXml/itemProps2.xml><?xml version="1.0" encoding="utf-8"?>
-<ds:datastoreItem xmlns:ds="http://schemas.openxmlformats.org/officeDocument/2006/customXml" ds:itemID="{22271091-DDCE-44B5-B608-BB96BCA0C299}">
+<ds:datastoreItem xmlns:ds="http://schemas.openxmlformats.org/officeDocument/2006/customXml" ds:itemID="{195C3A57-25C5-4CAC-A396-8711CE839175}">
   <ds:schemaRefs>
     <ds:schemaRef ds:uri="http://schemas.microsoft.com/VisualStudio/2011/storyboarding/control"/>
   </ds:schemaRefs>
@@ -23023,7 +23374,7 @@
 </file>
 
 <file path=customXml/itemProps3.xml><?xml version="1.0" encoding="utf-8"?>
-<ds:datastoreItem xmlns:ds="http://schemas.openxmlformats.org/officeDocument/2006/customXml" ds:itemID="{74F50758-6994-47AF-ADB4-84074E43B95D}">
+<ds:datastoreItem xmlns:ds="http://schemas.openxmlformats.org/officeDocument/2006/customXml" ds:itemID="{925928FA-66B2-4992-9AF7-6AAB34665E06}">
   <ds:schemaRefs>
     <ds:schemaRef ds:uri="http://schemas.microsoft.com/VisualStudio/2011/storyboarding/control"/>
   </ds:schemaRefs>
@@ -23039,7 +23390,7 @@
 </file>
 
 <file path=customXml/itemProps5.xml><?xml version="1.0" encoding="utf-8"?>
-<ds:datastoreItem xmlns:ds="http://schemas.openxmlformats.org/officeDocument/2006/customXml" ds:itemID="{925928FA-66B2-4992-9AF7-6AAB34665E06}">
+<ds:datastoreItem xmlns:ds="http://schemas.openxmlformats.org/officeDocument/2006/customXml" ds:itemID="{74F50758-6994-47AF-ADB4-84074E43B95D}">
   <ds:schemaRefs>
     <ds:schemaRef ds:uri="http://schemas.microsoft.com/VisualStudio/2011/storyboarding/control"/>
   </ds:schemaRefs>
@@ -23047,14 +23398,6 @@
 </file>
 
 <file path=customXml/itemProps6.xml><?xml version="1.0" encoding="utf-8"?>
-<ds:datastoreItem xmlns:ds="http://schemas.openxmlformats.org/officeDocument/2006/customXml" ds:itemID="{195C3A57-25C5-4CAC-A396-8711CE839175}">
-  <ds:schemaRefs>
-    <ds:schemaRef ds:uri="http://schemas.microsoft.com/VisualStudio/2011/storyboarding/control"/>
-  </ds:schemaRefs>
-</ds:datastoreItem>
-</file>
-
-<file path=customXml/itemProps7.xml><?xml version="1.0" encoding="utf-8"?>
 <ds:datastoreItem xmlns:ds="http://schemas.openxmlformats.org/officeDocument/2006/customXml" ds:itemID="{1322E1B6-B69B-4B1E-9F64-FFB1E4A65691}">
   <ds:schemaRefs>
     <ds:schemaRef ds:uri="http://schemas.microsoft.com/office/2006/metadata/properties"/>
@@ -23062,4 +23405,12 @@
     <ds:schemaRef ds:uri="b4ebf394-daf6-497a-96c5-a2f8c10b38cf"/>
   </ds:schemaRefs>
 </ds:datastoreItem>
+</file>
+
+<file path=customXml/itemProps7.xml><?xml version="1.0" encoding="utf-8"?>
+<ds:datastoreItem xmlns:ds="http://schemas.openxmlformats.org/officeDocument/2006/customXml" ds:itemID="{22271091-DDCE-44B5-B608-BB96BCA0C299}">
+  <ds:schemaRefs>
+    <ds:schemaRef ds:uri="http://schemas.microsoft.com/VisualStudio/2011/storyboarding/control"/>
+  </ds:schemaRefs>
+</ds:datastoreItem>
 </file>
--- a/2019系统仿真-19-分析与测试.pptx
+++ b/2019系统仿真-19-分析与测试.pptx
@@ -3403,12 +3403,12 @@
     <dgm:cxn modelId="{D0C2091E-1E52-9F48-A788-33241BFAE94B}" type="presOf" srcId="{B0EBB8EA-9560-0349-8E26-3204094462AA}" destId="{85779B0E-0453-2E45-A1CA-4A7F3D873BE1}" srcOrd="0" destOrd="0" presId="urn:microsoft.com/office/officeart/2005/8/layout/balance1"/>
     <dgm:cxn modelId="{40DD8F3F-81A1-9B45-A971-68F94E89FD69}" srcId="{9AE1D321-AEE7-8C40-BD2A-EF2B09426246}" destId="{D14AB982-09E0-8945-9920-11CE65C90CD5}" srcOrd="0" destOrd="0" parTransId="{4B723C64-D8A1-7948-A21C-8DF400DA42DB}" sibTransId="{747A60C1-4934-FF4F-AFDB-F635D6034DC9}"/>
     <dgm:cxn modelId="{A7DDF941-7ED9-DA44-B825-B6E0F7179555}" type="presOf" srcId="{9AE1D321-AEE7-8C40-BD2A-EF2B09426246}" destId="{CA96F3E5-F59C-C74A-8450-C42B1B2EEBFD}" srcOrd="0" destOrd="0" presId="urn:microsoft.com/office/officeart/2005/8/layout/balance1"/>
+    <dgm:cxn modelId="{552FD654-7EA7-4F43-9070-0D020D9F3668}" srcId="{9AE1D321-AEE7-8C40-BD2A-EF2B09426246}" destId="{566C09AC-F27A-334F-800D-A6FC7729D61A}" srcOrd="2" destOrd="0" parTransId="{31768A48-EB39-9844-9F20-F25A1E9BA3CA}" sibTransId="{329A3741-1C13-C242-9AB3-3AB16E0DBA28}"/>
+    <dgm:cxn modelId="{60015D57-67ED-E441-B51C-1EE2B29F06B8}" srcId="{9AE1D321-AEE7-8C40-BD2A-EF2B09426246}" destId="{7065CB3A-4795-1748-B2E7-8E9B611C5C8D}" srcOrd="1" destOrd="0" parTransId="{AFBDB4BD-38EF-AD46-A0CA-983C6DFB2DFE}" sibTransId="{EEC0A224-2EFB-9E40-BAB0-59B88AE0F166}"/>
+    <dgm:cxn modelId="{FE447257-CB79-5A46-B543-3B937D7418AB}" type="presOf" srcId="{B4A20B6F-8DB4-994C-AC20-C65D93D38212}" destId="{B1E5714D-129D-5E4E-A2B8-0C559E7166BE}" srcOrd="0" destOrd="0" presId="urn:microsoft.com/office/officeart/2005/8/layout/balance1"/>
     <dgm:cxn modelId="{3D12D76F-DFBC-4E45-BFF7-A5DD99E0D4FB}" srcId="{75FEEE9F-319F-A24D-88BF-8C835180C0A5}" destId="{B0EBB8EA-9560-0349-8E26-3204094462AA}" srcOrd="0" destOrd="0" parTransId="{1C170AB3-62CA-1F4F-8F41-1101716E1E52}" sibTransId="{EA1BBC6F-F06D-F741-A5ED-20695BA44DA2}"/>
     <dgm:cxn modelId="{41E6FE6F-61A2-6447-BC26-6E1CE2A5B05A}" type="presOf" srcId="{7065CB3A-4795-1748-B2E7-8E9B611C5C8D}" destId="{E127852B-6FCC-3740-BED3-1718F83CA4F9}" srcOrd="0" destOrd="0" presId="urn:microsoft.com/office/officeart/2005/8/layout/balance1"/>
     <dgm:cxn modelId="{85924270-88A4-6A44-BEE5-C07DD9011543}" srcId="{75FEEE9F-319F-A24D-88BF-8C835180C0A5}" destId="{B4A20B6F-8DB4-994C-AC20-C65D93D38212}" srcOrd="1" destOrd="0" parTransId="{7B928000-8671-1F45-98EF-D90C24515F8C}" sibTransId="{B74A2E6B-42F7-364A-97BF-50795E477BA5}"/>
-    <dgm:cxn modelId="{552FD654-7EA7-4F43-9070-0D020D9F3668}" srcId="{9AE1D321-AEE7-8C40-BD2A-EF2B09426246}" destId="{566C09AC-F27A-334F-800D-A6FC7729D61A}" srcOrd="2" destOrd="0" parTransId="{31768A48-EB39-9844-9F20-F25A1E9BA3CA}" sibTransId="{329A3741-1C13-C242-9AB3-3AB16E0DBA28}"/>
-    <dgm:cxn modelId="{60015D57-67ED-E441-B51C-1EE2B29F06B8}" srcId="{9AE1D321-AEE7-8C40-BD2A-EF2B09426246}" destId="{7065CB3A-4795-1748-B2E7-8E9B611C5C8D}" srcOrd="1" destOrd="0" parTransId="{AFBDB4BD-38EF-AD46-A0CA-983C6DFB2DFE}" sibTransId="{EEC0A224-2EFB-9E40-BAB0-59B88AE0F166}"/>
-    <dgm:cxn modelId="{FE447257-CB79-5A46-B543-3B937D7418AB}" type="presOf" srcId="{B4A20B6F-8DB4-994C-AC20-C65D93D38212}" destId="{B1E5714D-129D-5E4E-A2B8-0C559E7166BE}" srcOrd="0" destOrd="0" presId="urn:microsoft.com/office/officeart/2005/8/layout/balance1"/>
     <dgm:cxn modelId="{5EAFAE8D-A1C4-0043-A6E7-37A33B431BE5}" srcId="{E33A5FB0-8858-A944-AD83-80343012C109}" destId="{75FEEE9F-319F-A24D-88BF-8C835180C0A5}" srcOrd="0" destOrd="0" parTransId="{D654F315-E1A3-2541-A87A-A45EA80701A2}" sibTransId="{88057F4C-C02B-7145-9D6A-DA1D0C6320D1}"/>
     <dgm:cxn modelId="{3B78529C-DDC1-3A49-B56F-40ADBB042A7F}" type="presOf" srcId="{D14AB982-09E0-8945-9920-11CE65C90CD5}" destId="{126F09AF-EC53-6C4D-899A-D293E4626BED}" srcOrd="0" destOrd="0" presId="urn:microsoft.com/office/officeart/2005/8/layout/balance1"/>
     <dgm:cxn modelId="{B652E2C7-0706-2A43-8D25-25550041E8E5}" srcId="{E33A5FB0-8858-A944-AD83-80343012C109}" destId="{9AE1D321-AEE7-8C40-BD2A-EF2B09426246}" srcOrd="1" destOrd="0" parTransId="{1ED7852F-2C06-E84C-BFF1-A70B526DF918}" sibTransId="{7DCF54F7-E738-E849-9E47-75CAFF8994A9}"/>
@@ -11815,7 +11815,7 @@
                 <a:latin typeface="微软雅黑" panose="020B0503020204020204" pitchFamily="34" charset="-122"/>
                 <a:ea typeface="微软雅黑" panose="020B0503020204020204" pitchFamily="34" charset="-122"/>
               </a:rPr>
-              <a:t>2019年6月9日</a:t>
+              <a:t>2019年6月9日 Sunday</a:t>
             </a:fld>
             <a:endParaRPr lang="zh-CN" altLang="en-US" dirty="0">
               <a:latin typeface="微软雅黑" panose="020B0503020204020204" pitchFamily="34" charset="-122"/>
@@ -12007,7 +12007,7 @@
             <a:fld id="{07D6BDDC-F39A-4E16-93D6-E40B88AA6D58}" type="datetime2">
               <a:rPr lang="zh-CN" altLang="en-US" smtClean="0"/>
               <a:pPr/>
-              <a:t>2019年6月9日</a:t>
+              <a:t>2019年6月9日 Sunday</a:t>
             </a:fld>
             <a:endParaRPr lang="zh-CN" altLang="en-US" dirty="0"/>
           </a:p>
@@ -13324,7 +13324,7 @@
             <a:fld id="{4947C3F0-2957-4D41-9FB7-182757A04D67}" type="datetime2">
               <a:rPr lang="zh-CN" altLang="en-US" smtClean="0"/>
               <a:pPr/>
-              <a:t>2019年6月9日</a:t>
+              <a:t>2019年6月9日 Sunday</a:t>
             </a:fld>
             <a:endParaRPr lang="zh-CN" altLang="en-US" dirty="0"/>
           </a:p>
@@ -13557,7 +13557,7 @@
             <a:fld id="{8DF8E148-EC1F-43A2-8C9E-1F57F6D08A76}" type="datetime2">
               <a:rPr lang="zh-CN" altLang="en-US" smtClean="0"/>
               <a:pPr/>
-              <a:t>2019年6月9日</a:t>
+              <a:t>2019年6月9日 Sunday</a:t>
             </a:fld>
             <a:endParaRPr lang="zh-CN" altLang="en-US" dirty="0"/>
           </a:p>
@@ -14439,7 +14439,7 @@
             <a:fld id="{FB7B4C11-1E14-4887-9E78-A9346EC068F1}" type="datetime2">
               <a:rPr lang="zh-CN" altLang="en-US" smtClean="0"/>
               <a:pPr/>
-              <a:t>2019年6月9日</a:t>
+              <a:t>2019年6月9日 Sunday</a:t>
             </a:fld>
             <a:endParaRPr lang="zh-CN" altLang="en-US" dirty="0"/>
           </a:p>
@@ -14698,7 +14698,7 @@
             <a:fld id="{86FD5D46-E987-42B2-B42C-B8920598FADE}" type="datetime2">
               <a:rPr lang="zh-CN" altLang="en-US" smtClean="0"/>
               <a:pPr/>
-              <a:t>2019年6月9日</a:t>
+              <a:t>2019年6月9日 Sunday</a:t>
             </a:fld>
             <a:endParaRPr lang="zh-CN" altLang="en-US" dirty="0"/>
           </a:p>
@@ -16024,7 +16024,7 @@
             <a:fld id="{8365F240-A7EF-41C8-A85B-C448CF84B5E5}" type="datetime2">
               <a:rPr lang="zh-CN" altLang="en-US" smtClean="0"/>
               <a:pPr/>
-              <a:t>2019年6月9日</a:t>
+              <a:t>2019年6月9日 Sunday</a:t>
             </a:fld>
             <a:endParaRPr lang="zh-CN" altLang="en-US" dirty="0"/>
           </a:p>
@@ -16359,7 +16359,7 @@
             <a:fld id="{F770B30E-8728-44DB-AEE3-E4A75AEDBBD9}" type="datetime2">
               <a:rPr lang="zh-CN" altLang="en-US" smtClean="0"/>
               <a:pPr/>
-              <a:t>2019年6月9日</a:t>
+              <a:t>2019年6月9日 Sunday</a:t>
             </a:fld>
             <a:endParaRPr lang="zh-CN" altLang="en-US" dirty="0"/>
           </a:p>
@@ -16860,7 +16860,7 @@
             <a:fld id="{680BCF82-A51A-4389-A573-378AD02C5141}" type="datetime2">
               <a:rPr lang="zh-CN" altLang="en-US" smtClean="0"/>
               <a:pPr/>
-              <a:t>2019年6月9日</a:t>
+              <a:t>2019年6月9日 Sunday</a:t>
             </a:fld>
             <a:endParaRPr lang="zh-CN" altLang="en-US" dirty="0"/>
           </a:p>
@@ -17015,7 +17015,7 @@
             <a:fld id="{CE03A716-E3DC-4D9D-823C-60FCD8C9B163}" type="datetime2">
               <a:rPr lang="zh-CN" altLang="en-US" smtClean="0"/>
               <a:pPr/>
-              <a:t>2019年6月9日</a:t>
+              <a:t>2019年6月9日 Sunday</a:t>
             </a:fld>
             <a:endParaRPr lang="zh-CN" altLang="en-US" dirty="0"/>
           </a:p>
@@ -17375,7 +17375,7 @@
             <a:fld id="{C16B8A94-44E5-4844-A22C-F796FCAA90D9}" type="datetime2">
               <a:rPr lang="zh-CN" altLang="en-US" smtClean="0"/>
               <a:pPr/>
-              <a:t>2019年6月9日</a:t>
+              <a:t>2019年6月9日 Sunday</a:t>
             </a:fld>
             <a:endParaRPr lang="zh-CN" altLang="en-US" dirty="0"/>
           </a:p>
@@ -17917,7 +17917,7 @@
             <a:fld id="{F288B2AC-AC0A-4E49-82A3-94EE74FA7FBF}" type="datetime2">
               <a:rPr lang="zh-CN" altLang="en-US" smtClean="0"/>
               <a:pPr/>
-              <a:t>2019年6月9日</a:t>
+              <a:t>2019年6月9日 Sunday</a:t>
             </a:fld>
             <a:endParaRPr lang="zh-CN" altLang="en-US" dirty="0"/>
           </a:p>
@@ -18403,7 +18403,7 @@
             <a:fld id="{1878E339-1BD2-4FEE-A113-9A0301740CF6}" type="datetime2">
               <a:rPr lang="zh-CN" altLang="en-US" smtClean="0"/>
               <a:pPr/>
-              <a:t>2019年6月9日</a:t>
+              <a:t>2019年6月9日 Sunday</a:t>
             </a:fld>
             <a:endParaRPr lang="zh-CN" altLang="en-US" dirty="0"/>
           </a:p>
@@ -19326,7 +19326,7 @@
             <a:fld id="{A339CB27-C670-4AAB-948C-7E3D1D9FAE30}" type="datetime2">
               <a:rPr lang="zh-CN" altLang="en-US" smtClean="0"/>
               <a:pPr/>
-              <a:t>2019年6月9日</a:t>
+              <a:t>2019年6月9日 Sunday</a:t>
             </a:fld>
             <a:endParaRPr lang="zh-CN" altLang="en-US" dirty="0"/>
           </a:p>
@@ -19820,6 +19820,36 @@
           </a:p>
         </p:txBody>
       </p:sp>
+      <p:pic>
+        <p:nvPicPr>
+          <p:cNvPr id="5" name="图片 4">
+            <a:extLst>
+              <a:ext uri="{FF2B5EF4-FFF2-40B4-BE49-F238E27FC236}">
+                <a16:creationId xmlns:a16="http://schemas.microsoft.com/office/drawing/2014/main" id="{6810DD28-2609-3549-BB47-204B8AC8D1F2}"/>
+              </a:ext>
+            </a:extLst>
+          </p:cNvPr>
+          <p:cNvPicPr>
+            <a:picLocks noChangeAspect="1"/>
+          </p:cNvPicPr>
+          <p:nvPr/>
+        </p:nvPicPr>
+        <p:blipFill>
+          <a:blip r:link="rId3"/>
+          <a:stretch>
+            <a:fillRect/>
+          </a:stretch>
+        </p:blipFill>
+        <p:spPr>
+          <a:xfrm>
+            <a:off x="1270000" y="1270000"/>
+            <a:ext cx="63500" cy="76200"/>
+          </a:xfrm>
+          <a:prstGeom prst="rect">
+            <a:avLst/>
+          </a:prstGeom>
+        </p:spPr>
+      </p:pic>
     </p:spTree>
     <p:extLst>
       <p:ext uri="{BB962C8B-B14F-4D97-AF65-F5344CB8AC3E}">
@@ -20034,6 +20064,501 @@
       </p:transition>
     </mc:Fallback>
   </mc:AlternateContent>
+  <p:timing>
+    <p:tnLst>
+      <p:par>
+        <p:cTn id="1" dur="indefinite" restart="never" nodeType="tmRoot">
+          <p:childTnLst>
+            <p:seq concurrent="1" nextAc="seek">
+              <p:cTn id="2" dur="indefinite" nodeType="mainSeq">
+                <p:childTnLst>
+                  <p:par>
+                    <p:cTn id="3" fill="hold">
+                      <p:stCondLst>
+                        <p:cond delay="indefinite"/>
+                      </p:stCondLst>
+                      <p:childTnLst>
+                        <p:par>
+                          <p:cTn id="4" fill="hold">
+                            <p:stCondLst>
+                              <p:cond delay="0"/>
+                            </p:stCondLst>
+                            <p:childTnLst>
+                              <p:par>
+                                <p:cTn id="5" presetID="10" presetClass="entr" presetSubtype="0" fill="hold" nodeType="clickEffect">
+                                  <p:stCondLst>
+                                    <p:cond delay="0"/>
+                                  </p:stCondLst>
+                                  <p:childTnLst>
+                                    <p:set>
+                                      <p:cBhvr>
+                                        <p:cTn id="6" dur="1" fill="hold">
+                                          <p:stCondLst>
+                                            <p:cond delay="0"/>
+                                          </p:stCondLst>
+                                        </p:cTn>
+                                        <p:tgtEl>
+                                          <p:spTgt spid="3">
+                                            <p:txEl>
+                                              <p:pRg st="0" end="0"/>
+                                            </p:txEl>
+                                          </p:spTgt>
+                                        </p:tgtEl>
+                                        <p:attrNameLst>
+                                          <p:attrName>style.visibility</p:attrName>
+                                        </p:attrNameLst>
+                                      </p:cBhvr>
+                                      <p:to>
+                                        <p:strVal val="visible"/>
+                                      </p:to>
+                                    </p:set>
+                                    <p:animEffect transition="in" filter="fade">
+                                      <p:cBhvr>
+                                        <p:cTn id="7" dur="500"/>
+                                        <p:tgtEl>
+                                          <p:spTgt spid="3">
+                                            <p:txEl>
+                                              <p:pRg st="0" end="0"/>
+                                            </p:txEl>
+                                          </p:spTgt>
+                                        </p:tgtEl>
+                                      </p:cBhvr>
+                                    </p:animEffect>
+                                  </p:childTnLst>
+                                </p:cTn>
+                              </p:par>
+                              <p:par>
+                                <p:cTn id="8" presetID="10" presetClass="entr" presetSubtype="0" fill="hold" nodeType="withEffect">
+                                  <p:stCondLst>
+                                    <p:cond delay="0"/>
+                                  </p:stCondLst>
+                                  <p:childTnLst>
+                                    <p:set>
+                                      <p:cBhvr>
+                                        <p:cTn id="9" dur="1" fill="hold">
+                                          <p:stCondLst>
+                                            <p:cond delay="0"/>
+                                          </p:stCondLst>
+                                        </p:cTn>
+                                        <p:tgtEl>
+                                          <p:spTgt spid="3">
+                                            <p:txEl>
+                                              <p:pRg st="1" end="1"/>
+                                            </p:txEl>
+                                          </p:spTgt>
+                                        </p:tgtEl>
+                                        <p:attrNameLst>
+                                          <p:attrName>style.visibility</p:attrName>
+                                        </p:attrNameLst>
+                                      </p:cBhvr>
+                                      <p:to>
+                                        <p:strVal val="visible"/>
+                                      </p:to>
+                                    </p:set>
+                                    <p:animEffect transition="in" filter="fade">
+                                      <p:cBhvr>
+                                        <p:cTn id="10" dur="500"/>
+                                        <p:tgtEl>
+                                          <p:spTgt spid="3">
+                                            <p:txEl>
+                                              <p:pRg st="1" end="1"/>
+                                            </p:txEl>
+                                          </p:spTgt>
+                                        </p:tgtEl>
+                                      </p:cBhvr>
+                                    </p:animEffect>
+                                  </p:childTnLst>
+                                </p:cTn>
+                              </p:par>
+                            </p:childTnLst>
+                          </p:cTn>
+                        </p:par>
+                      </p:childTnLst>
+                    </p:cTn>
+                  </p:par>
+                  <p:par>
+                    <p:cTn id="11" fill="hold">
+                      <p:stCondLst>
+                        <p:cond delay="indefinite"/>
+                      </p:stCondLst>
+                      <p:childTnLst>
+                        <p:par>
+                          <p:cTn id="12" fill="hold">
+                            <p:stCondLst>
+                              <p:cond delay="0"/>
+                            </p:stCondLst>
+                            <p:childTnLst>
+                              <p:par>
+                                <p:cTn id="13" presetID="10" presetClass="entr" presetSubtype="0" fill="hold" nodeType="clickEffect">
+                                  <p:stCondLst>
+                                    <p:cond delay="0"/>
+                                  </p:stCondLst>
+                                  <p:childTnLst>
+                                    <p:set>
+                                      <p:cBhvr>
+                                        <p:cTn id="14" dur="1" fill="hold">
+                                          <p:stCondLst>
+                                            <p:cond delay="0"/>
+                                          </p:stCondLst>
+                                        </p:cTn>
+                                        <p:tgtEl>
+                                          <p:spTgt spid="3">
+                                            <p:txEl>
+                                              <p:pRg st="2" end="2"/>
+                                            </p:txEl>
+                                          </p:spTgt>
+                                        </p:tgtEl>
+                                        <p:attrNameLst>
+                                          <p:attrName>style.visibility</p:attrName>
+                                        </p:attrNameLst>
+                                      </p:cBhvr>
+                                      <p:to>
+                                        <p:strVal val="visible"/>
+                                      </p:to>
+                                    </p:set>
+                                    <p:animEffect transition="in" filter="fade">
+                                      <p:cBhvr>
+                                        <p:cTn id="15" dur="500"/>
+                                        <p:tgtEl>
+                                          <p:spTgt spid="3">
+                                            <p:txEl>
+                                              <p:pRg st="2" end="2"/>
+                                            </p:txEl>
+                                          </p:spTgt>
+                                        </p:tgtEl>
+                                      </p:cBhvr>
+                                    </p:animEffect>
+                                  </p:childTnLst>
+                                </p:cTn>
+                              </p:par>
+                              <p:par>
+                                <p:cTn id="16" presetID="10" presetClass="entr" presetSubtype="0" fill="hold" nodeType="withEffect">
+                                  <p:stCondLst>
+                                    <p:cond delay="0"/>
+                                  </p:stCondLst>
+                                  <p:childTnLst>
+                                    <p:set>
+                                      <p:cBhvr>
+                                        <p:cTn id="17" dur="1" fill="hold">
+                                          <p:stCondLst>
+                                            <p:cond delay="0"/>
+                                          </p:stCondLst>
+                                        </p:cTn>
+                                        <p:tgtEl>
+                                          <p:spTgt spid="3">
+                                            <p:txEl>
+                                              <p:pRg st="3" end="3"/>
+                                            </p:txEl>
+                                          </p:spTgt>
+                                        </p:tgtEl>
+                                        <p:attrNameLst>
+                                          <p:attrName>style.visibility</p:attrName>
+                                        </p:attrNameLst>
+                                      </p:cBhvr>
+                                      <p:to>
+                                        <p:strVal val="visible"/>
+                                      </p:to>
+                                    </p:set>
+                                    <p:animEffect transition="in" filter="fade">
+                                      <p:cBhvr>
+                                        <p:cTn id="18" dur="500"/>
+                                        <p:tgtEl>
+                                          <p:spTgt spid="3">
+                                            <p:txEl>
+                                              <p:pRg st="3" end="3"/>
+                                            </p:txEl>
+                                          </p:spTgt>
+                                        </p:tgtEl>
+                                      </p:cBhvr>
+                                    </p:animEffect>
+                                  </p:childTnLst>
+                                </p:cTn>
+                              </p:par>
+                              <p:par>
+                                <p:cTn id="19" presetID="10" presetClass="entr" presetSubtype="0" fill="hold" nodeType="withEffect">
+                                  <p:stCondLst>
+                                    <p:cond delay="0"/>
+                                  </p:stCondLst>
+                                  <p:childTnLst>
+                                    <p:set>
+                                      <p:cBhvr>
+                                        <p:cTn id="20" dur="1" fill="hold">
+                                          <p:stCondLst>
+                                            <p:cond delay="0"/>
+                                          </p:stCondLst>
+                                        </p:cTn>
+                                        <p:tgtEl>
+                                          <p:spTgt spid="3">
+                                            <p:txEl>
+                                              <p:pRg st="4" end="4"/>
+                                            </p:txEl>
+                                          </p:spTgt>
+                                        </p:tgtEl>
+                                        <p:attrNameLst>
+                                          <p:attrName>style.visibility</p:attrName>
+                                        </p:attrNameLst>
+                                      </p:cBhvr>
+                                      <p:to>
+                                        <p:strVal val="visible"/>
+                                      </p:to>
+                                    </p:set>
+                                    <p:animEffect transition="in" filter="fade">
+                                      <p:cBhvr>
+                                        <p:cTn id="21" dur="500"/>
+                                        <p:tgtEl>
+                                          <p:spTgt spid="3">
+                                            <p:txEl>
+                                              <p:pRg st="4" end="4"/>
+                                            </p:txEl>
+                                          </p:spTgt>
+                                        </p:tgtEl>
+                                      </p:cBhvr>
+                                    </p:animEffect>
+                                  </p:childTnLst>
+                                </p:cTn>
+                              </p:par>
+                            </p:childTnLst>
+                          </p:cTn>
+                        </p:par>
+                        <p:par>
+                          <p:cTn id="22" fill="hold">
+                            <p:stCondLst>
+                              <p:cond delay="500"/>
+                            </p:stCondLst>
+                            <p:childTnLst>
+                              <p:par>
+                                <p:cTn id="23" presetID="12" presetClass="entr" presetSubtype="4" fill="hold" nodeType="afterEffect">
+                                  <p:stCondLst>
+                                    <p:cond delay="0"/>
+                                  </p:stCondLst>
+                                  <p:childTnLst>
+                                    <p:set>
+                                      <p:cBhvr>
+                                        <p:cTn id="24" dur="1" fill="hold">
+                                          <p:stCondLst>
+                                            <p:cond delay="0"/>
+                                          </p:stCondLst>
+                                        </p:cTn>
+                                        <p:tgtEl>
+                                          <p:spTgt spid="4"/>
+                                        </p:tgtEl>
+                                        <p:attrNameLst>
+                                          <p:attrName>style.visibility</p:attrName>
+                                        </p:attrNameLst>
+                                      </p:cBhvr>
+                                      <p:to>
+                                        <p:strVal val="visible"/>
+                                      </p:to>
+                                    </p:set>
+                                    <p:anim calcmode="lin" valueType="num">
+                                      <p:cBhvr additive="base">
+                                        <p:cTn id="25" dur="500"/>
+                                        <p:tgtEl>
+                                          <p:spTgt spid="4"/>
+                                        </p:tgtEl>
+                                        <p:attrNameLst>
+                                          <p:attrName>ppt_y</p:attrName>
+                                        </p:attrNameLst>
+                                      </p:cBhvr>
+                                      <p:tavLst>
+                                        <p:tav tm="0">
+                                          <p:val>
+                                            <p:strVal val="#ppt_y+#ppt_h*1.125000"/>
+                                          </p:val>
+                                        </p:tav>
+                                        <p:tav tm="100000">
+                                          <p:val>
+                                            <p:strVal val="#ppt_y"/>
+                                          </p:val>
+                                        </p:tav>
+                                      </p:tavLst>
+                                    </p:anim>
+                                    <p:animEffect transition="in" filter="wipe(up)">
+                                      <p:cBhvr>
+                                        <p:cTn id="26" dur="500"/>
+                                        <p:tgtEl>
+                                          <p:spTgt spid="4"/>
+                                        </p:tgtEl>
+                                      </p:cBhvr>
+                                    </p:animEffect>
+                                  </p:childTnLst>
+                                </p:cTn>
+                              </p:par>
+                            </p:childTnLst>
+                          </p:cTn>
+                        </p:par>
+                      </p:childTnLst>
+                    </p:cTn>
+                  </p:par>
+                  <p:par>
+                    <p:cTn id="27" fill="hold">
+                      <p:stCondLst>
+                        <p:cond delay="indefinite"/>
+                      </p:stCondLst>
+                      <p:childTnLst>
+                        <p:par>
+                          <p:cTn id="28" fill="hold">
+                            <p:stCondLst>
+                              <p:cond delay="0"/>
+                            </p:stCondLst>
+                            <p:childTnLst>
+                              <p:par>
+                                <p:cTn id="29" presetID="10" presetClass="entr" presetSubtype="0" fill="hold" nodeType="clickEffect">
+                                  <p:stCondLst>
+                                    <p:cond delay="0"/>
+                                  </p:stCondLst>
+                                  <p:childTnLst>
+                                    <p:set>
+                                      <p:cBhvr>
+                                        <p:cTn id="30" dur="1" fill="hold">
+                                          <p:stCondLst>
+                                            <p:cond delay="0"/>
+                                          </p:stCondLst>
+                                        </p:cTn>
+                                        <p:tgtEl>
+                                          <p:spTgt spid="3">
+                                            <p:txEl>
+                                              <p:pRg st="5" end="5"/>
+                                            </p:txEl>
+                                          </p:spTgt>
+                                        </p:tgtEl>
+                                        <p:attrNameLst>
+                                          <p:attrName>style.visibility</p:attrName>
+                                        </p:attrNameLst>
+                                      </p:cBhvr>
+                                      <p:to>
+                                        <p:strVal val="visible"/>
+                                      </p:to>
+                                    </p:set>
+                                    <p:animEffect transition="in" filter="fade">
+                                      <p:cBhvr>
+                                        <p:cTn id="31" dur="500"/>
+                                        <p:tgtEl>
+                                          <p:spTgt spid="3">
+                                            <p:txEl>
+                                              <p:pRg st="5" end="5"/>
+                                            </p:txEl>
+                                          </p:spTgt>
+                                        </p:tgtEl>
+                                      </p:cBhvr>
+                                    </p:animEffect>
+                                  </p:childTnLst>
+                                </p:cTn>
+                              </p:par>
+                              <p:par>
+                                <p:cTn id="32" presetID="10" presetClass="entr" presetSubtype="0" fill="hold" nodeType="withEffect">
+                                  <p:stCondLst>
+                                    <p:cond delay="0"/>
+                                  </p:stCondLst>
+                                  <p:childTnLst>
+                                    <p:set>
+                                      <p:cBhvr>
+                                        <p:cTn id="33" dur="1" fill="hold">
+                                          <p:stCondLst>
+                                            <p:cond delay="0"/>
+                                          </p:stCondLst>
+                                        </p:cTn>
+                                        <p:tgtEl>
+                                          <p:spTgt spid="3">
+                                            <p:txEl>
+                                              <p:pRg st="6" end="6"/>
+                                            </p:txEl>
+                                          </p:spTgt>
+                                        </p:tgtEl>
+                                        <p:attrNameLst>
+                                          <p:attrName>style.visibility</p:attrName>
+                                        </p:attrNameLst>
+                                      </p:cBhvr>
+                                      <p:to>
+                                        <p:strVal val="visible"/>
+                                      </p:to>
+                                    </p:set>
+                                    <p:animEffect transition="in" filter="fade">
+                                      <p:cBhvr>
+                                        <p:cTn id="34" dur="500"/>
+                                        <p:tgtEl>
+                                          <p:spTgt spid="3">
+                                            <p:txEl>
+                                              <p:pRg st="6" end="6"/>
+                                            </p:txEl>
+                                          </p:spTgt>
+                                        </p:tgtEl>
+                                      </p:cBhvr>
+                                    </p:animEffect>
+                                  </p:childTnLst>
+                                </p:cTn>
+                              </p:par>
+                              <p:par>
+                                <p:cTn id="35" presetID="10" presetClass="entr" presetSubtype="0" fill="hold" nodeType="withEffect">
+                                  <p:stCondLst>
+                                    <p:cond delay="0"/>
+                                  </p:stCondLst>
+                                  <p:childTnLst>
+                                    <p:set>
+                                      <p:cBhvr>
+                                        <p:cTn id="36" dur="1" fill="hold">
+                                          <p:stCondLst>
+                                            <p:cond delay="0"/>
+                                          </p:stCondLst>
+                                        </p:cTn>
+                                        <p:tgtEl>
+                                          <p:spTgt spid="3">
+                                            <p:txEl>
+                                              <p:pRg st="7" end="7"/>
+                                            </p:txEl>
+                                          </p:spTgt>
+                                        </p:tgtEl>
+                                        <p:attrNameLst>
+                                          <p:attrName>style.visibility</p:attrName>
+                                        </p:attrNameLst>
+                                      </p:cBhvr>
+                                      <p:to>
+                                        <p:strVal val="visible"/>
+                                      </p:to>
+                                    </p:set>
+                                    <p:animEffect transition="in" filter="fade">
+                                      <p:cBhvr>
+                                        <p:cTn id="37" dur="500"/>
+                                        <p:tgtEl>
+                                          <p:spTgt spid="3">
+                                            <p:txEl>
+                                              <p:pRg st="7" end="7"/>
+                                            </p:txEl>
+                                          </p:spTgt>
+                                        </p:tgtEl>
+                                      </p:cBhvr>
+                                    </p:animEffect>
+                                  </p:childTnLst>
+                                </p:cTn>
+                              </p:par>
+                            </p:childTnLst>
+                          </p:cTn>
+                        </p:par>
+                      </p:childTnLst>
+                    </p:cTn>
+                  </p:par>
+                </p:childTnLst>
+              </p:cTn>
+              <p:prevCondLst>
+                <p:cond evt="onPrev" delay="0">
+                  <p:tgtEl>
+                    <p:sldTgt/>
+                  </p:tgtEl>
+                </p:cond>
+              </p:prevCondLst>
+              <p:nextCondLst>
+                <p:cond evt="onNext" delay="0">
+                  <p:tgtEl>
+                    <p:sldTgt/>
+                  </p:tgtEl>
+                </p:cond>
+              </p:nextCondLst>
+            </p:seq>
+          </p:childTnLst>
+        </p:cTn>
+      </p:par>
+    </p:tnLst>
+  </p:timing>
 </p:sld>
 </file>
 
@@ -20495,6 +21020,246 @@
       </p:transition>
     </mc:Fallback>
   </mc:AlternateContent>
+  <p:timing>
+    <p:tnLst>
+      <p:par>
+        <p:cTn id="1" dur="indefinite" restart="never" nodeType="tmRoot">
+          <p:childTnLst>
+            <p:seq concurrent="1" nextAc="seek">
+              <p:cTn id="2" dur="indefinite" nodeType="mainSeq">
+                <p:childTnLst>
+                  <p:par>
+                    <p:cTn id="3" fill="hold">
+                      <p:stCondLst>
+                        <p:cond delay="indefinite"/>
+                      </p:stCondLst>
+                      <p:childTnLst>
+                        <p:par>
+                          <p:cTn id="4" fill="hold">
+                            <p:stCondLst>
+                              <p:cond delay="0"/>
+                            </p:stCondLst>
+                            <p:childTnLst>
+                              <p:par>
+                                <p:cTn id="5" presetID="12" presetClass="entr" presetSubtype="4" fill="hold" nodeType="clickEffect">
+                                  <p:stCondLst>
+                                    <p:cond delay="0"/>
+                                  </p:stCondLst>
+                                  <p:childTnLst>
+                                    <p:set>
+                                      <p:cBhvr>
+                                        <p:cTn id="6" dur="1" fill="hold">
+                                          <p:stCondLst>
+                                            <p:cond delay="0"/>
+                                          </p:stCondLst>
+                                        </p:cTn>
+                                        <p:tgtEl>
+                                          <p:spTgt spid="6"/>
+                                        </p:tgtEl>
+                                        <p:attrNameLst>
+                                          <p:attrName>style.visibility</p:attrName>
+                                        </p:attrNameLst>
+                                      </p:cBhvr>
+                                      <p:to>
+                                        <p:strVal val="visible"/>
+                                      </p:to>
+                                    </p:set>
+                                    <p:anim calcmode="lin" valueType="num">
+                                      <p:cBhvr additive="base">
+                                        <p:cTn id="7" dur="500"/>
+                                        <p:tgtEl>
+                                          <p:spTgt spid="6"/>
+                                        </p:tgtEl>
+                                        <p:attrNameLst>
+                                          <p:attrName>ppt_y</p:attrName>
+                                        </p:attrNameLst>
+                                      </p:cBhvr>
+                                      <p:tavLst>
+                                        <p:tav tm="0">
+                                          <p:val>
+                                            <p:strVal val="#ppt_y+#ppt_h*1.125000"/>
+                                          </p:val>
+                                        </p:tav>
+                                        <p:tav tm="100000">
+                                          <p:val>
+                                            <p:strVal val="#ppt_y"/>
+                                          </p:val>
+                                        </p:tav>
+                                      </p:tavLst>
+                                    </p:anim>
+                                    <p:animEffect transition="in" filter="wipe(up)">
+                                      <p:cBhvr>
+                                        <p:cTn id="8" dur="500"/>
+                                        <p:tgtEl>
+                                          <p:spTgt spid="6"/>
+                                        </p:tgtEl>
+                                      </p:cBhvr>
+                                    </p:animEffect>
+                                  </p:childTnLst>
+                                </p:cTn>
+                              </p:par>
+                            </p:childTnLst>
+                          </p:cTn>
+                        </p:par>
+                        <p:par>
+                          <p:cTn id="9" fill="hold">
+                            <p:stCondLst>
+                              <p:cond delay="500"/>
+                            </p:stCondLst>
+                            <p:childTnLst>
+                              <p:par>
+                                <p:cTn id="10" presetID="12" presetClass="entr" presetSubtype="4" fill="hold" nodeType="afterEffect">
+                                  <p:stCondLst>
+                                    <p:cond delay="0"/>
+                                  </p:stCondLst>
+                                  <p:childTnLst>
+                                    <p:set>
+                                      <p:cBhvr>
+                                        <p:cTn id="11" dur="1" fill="hold">
+                                          <p:stCondLst>
+                                            <p:cond delay="0"/>
+                                          </p:stCondLst>
+                                        </p:cTn>
+                                        <p:tgtEl>
+                                          <p:spTgt spid="4"/>
+                                        </p:tgtEl>
+                                        <p:attrNameLst>
+                                          <p:attrName>style.visibility</p:attrName>
+                                        </p:attrNameLst>
+                                      </p:cBhvr>
+                                      <p:to>
+                                        <p:strVal val="visible"/>
+                                      </p:to>
+                                    </p:set>
+                                    <p:anim calcmode="lin" valueType="num">
+                                      <p:cBhvr additive="base">
+                                        <p:cTn id="12" dur="500"/>
+                                        <p:tgtEl>
+                                          <p:spTgt spid="4"/>
+                                        </p:tgtEl>
+                                        <p:attrNameLst>
+                                          <p:attrName>ppt_y</p:attrName>
+                                        </p:attrNameLst>
+                                      </p:cBhvr>
+                                      <p:tavLst>
+                                        <p:tav tm="0">
+                                          <p:val>
+                                            <p:strVal val="#ppt_y+#ppt_h*1.125000"/>
+                                          </p:val>
+                                        </p:tav>
+                                        <p:tav tm="100000">
+                                          <p:val>
+                                            <p:strVal val="#ppt_y"/>
+                                          </p:val>
+                                        </p:tav>
+                                      </p:tavLst>
+                                    </p:anim>
+                                    <p:animEffect transition="in" filter="wipe(up)">
+                                      <p:cBhvr>
+                                        <p:cTn id="13" dur="500"/>
+                                        <p:tgtEl>
+                                          <p:spTgt spid="4"/>
+                                        </p:tgtEl>
+                                      </p:cBhvr>
+                                    </p:animEffect>
+                                  </p:childTnLst>
+                                </p:cTn>
+                              </p:par>
+                            </p:childTnLst>
+                          </p:cTn>
+                        </p:par>
+                        <p:par>
+                          <p:cTn id="14" fill="hold">
+                            <p:stCondLst>
+                              <p:cond delay="1000"/>
+                            </p:stCondLst>
+                            <p:childTnLst>
+                              <p:par>
+                                <p:cTn id="15" presetID="12" presetClass="entr" presetSubtype="4" fill="hold" nodeType="afterEffect">
+                                  <p:stCondLst>
+                                    <p:cond delay="0"/>
+                                  </p:stCondLst>
+                                  <p:childTnLst>
+                                    <p:set>
+                                      <p:cBhvr>
+                                        <p:cTn id="16" dur="1" fill="hold">
+                                          <p:stCondLst>
+                                            <p:cond delay="0"/>
+                                          </p:stCondLst>
+                                        </p:cTn>
+                                        <p:tgtEl>
+                                          <p:spTgt spid="7"/>
+                                        </p:tgtEl>
+                                        <p:attrNameLst>
+                                          <p:attrName>style.visibility</p:attrName>
+                                        </p:attrNameLst>
+                                      </p:cBhvr>
+                                      <p:to>
+                                        <p:strVal val="visible"/>
+                                      </p:to>
+                                    </p:set>
+                                    <p:anim calcmode="lin" valueType="num">
+                                      <p:cBhvr additive="base">
+                                        <p:cTn id="17" dur="500"/>
+                                        <p:tgtEl>
+                                          <p:spTgt spid="7"/>
+                                        </p:tgtEl>
+                                        <p:attrNameLst>
+                                          <p:attrName>ppt_y</p:attrName>
+                                        </p:attrNameLst>
+                                      </p:cBhvr>
+                                      <p:tavLst>
+                                        <p:tav tm="0">
+                                          <p:val>
+                                            <p:strVal val="#ppt_y+#ppt_h*1.125000"/>
+                                          </p:val>
+                                        </p:tav>
+                                        <p:tav tm="100000">
+                                          <p:val>
+                                            <p:strVal val="#ppt_y"/>
+                                          </p:val>
+                                        </p:tav>
+                                      </p:tavLst>
+                                    </p:anim>
+                                    <p:animEffect transition="in" filter="wipe(up)">
+                                      <p:cBhvr>
+                                        <p:cTn id="18" dur="500"/>
+                                        <p:tgtEl>
+                                          <p:spTgt spid="7"/>
+                                        </p:tgtEl>
+                                      </p:cBhvr>
+                                    </p:animEffect>
+                                  </p:childTnLst>
+                                </p:cTn>
+                              </p:par>
+                            </p:childTnLst>
+                          </p:cTn>
+                        </p:par>
+                      </p:childTnLst>
+                    </p:cTn>
+                  </p:par>
+                </p:childTnLst>
+              </p:cTn>
+              <p:prevCondLst>
+                <p:cond evt="onPrev" delay="0">
+                  <p:tgtEl>
+                    <p:sldTgt/>
+                  </p:tgtEl>
+                </p:cond>
+              </p:prevCondLst>
+              <p:nextCondLst>
+                <p:cond evt="onNext" delay="0">
+                  <p:tgtEl>
+                    <p:sldTgt/>
+                  </p:tgtEl>
+                </p:cond>
+              </p:nextCondLst>
+            </p:seq>
+          </p:childTnLst>
+        </p:cTn>
+      </p:par>
+    </p:tnLst>
+  </p:timing>
 </p:sld>
 </file>
 
@@ -20607,7 +21372,7 @@
           <a:graphicData uri="http://schemas.openxmlformats.org/presentationml/2006/ole">
             <mc:AlternateContent xmlns:mc="http://schemas.openxmlformats.org/markup-compatibility/2006">
               <mc:Choice xmlns:v="urn:schemas-microsoft-com:vml" Requires="v">
-                <p:oleObj spid="_x0000_s1030" name="Equation" r:id="rId3" imgW="888840" imgH="177480" progId="Equation.DSMT4">
+                <p:oleObj spid="_x0000_s1036" name="Equation" r:id="rId3" imgW="888840" imgH="177480" progId="Equation.DSMT4">
                   <p:embed/>
                 </p:oleObj>
               </mc:Choice>
@@ -20670,7 +21435,7 @@
           <a:graphicData uri="http://schemas.openxmlformats.org/presentationml/2006/ole">
             <mc:AlternateContent xmlns:mc="http://schemas.openxmlformats.org/markup-compatibility/2006">
               <mc:Choice xmlns:v="urn:schemas-microsoft-com:vml" Requires="v">
-                <p:oleObj spid="_x0000_s1031" name="Equation" r:id="rId5" imgW="787320" imgH="177480" progId="Equation.DSMT4">
+                <p:oleObj spid="_x0000_s1037" name="Equation" r:id="rId5" imgW="787320" imgH="177480" progId="Equation.DSMT4">
                   <p:embed/>
                 </p:oleObj>
               </mc:Choice>
@@ -20786,6 +21551,188 @@
       </p:transition>
     </mc:Fallback>
   </mc:AlternateContent>
+  <p:timing>
+    <p:tnLst>
+      <p:par>
+        <p:cTn id="1" dur="indefinite" restart="never" nodeType="tmRoot">
+          <p:childTnLst>
+            <p:seq concurrent="1" nextAc="seek">
+              <p:cTn id="2" dur="indefinite" nodeType="mainSeq">
+                <p:childTnLst>
+                  <p:par>
+                    <p:cTn id="3" fill="hold">
+                      <p:stCondLst>
+                        <p:cond delay="indefinite"/>
+                      </p:stCondLst>
+                      <p:childTnLst>
+                        <p:par>
+                          <p:cTn id="4" fill="hold">
+                            <p:stCondLst>
+                              <p:cond delay="0"/>
+                            </p:stCondLst>
+                            <p:childTnLst>
+                              <p:par>
+                                <p:cTn id="5" presetID="12" presetClass="entr" presetSubtype="4" fill="hold" nodeType="clickEffect">
+                                  <p:stCondLst>
+                                    <p:cond delay="0"/>
+                                  </p:stCondLst>
+                                  <p:childTnLst>
+                                    <p:set>
+                                      <p:cBhvr>
+                                        <p:cTn id="6" dur="1" fill="hold">
+                                          <p:stCondLst>
+                                            <p:cond delay="0"/>
+                                          </p:stCondLst>
+                                        </p:cTn>
+                                        <p:tgtEl>
+                                          <p:spTgt spid="9"/>
+                                        </p:tgtEl>
+                                        <p:attrNameLst>
+                                          <p:attrName>style.visibility</p:attrName>
+                                        </p:attrNameLst>
+                                      </p:cBhvr>
+                                      <p:to>
+                                        <p:strVal val="visible"/>
+                                      </p:to>
+                                    </p:set>
+                                    <p:anim calcmode="lin" valueType="num">
+                                      <p:cBhvr additive="base">
+                                        <p:cTn id="7" dur="500"/>
+                                        <p:tgtEl>
+                                          <p:spTgt spid="9"/>
+                                        </p:tgtEl>
+                                        <p:attrNameLst>
+                                          <p:attrName>ppt_y</p:attrName>
+                                        </p:attrNameLst>
+                                      </p:cBhvr>
+                                      <p:tavLst>
+                                        <p:tav tm="0">
+                                          <p:val>
+                                            <p:strVal val="#ppt_y+#ppt_h*1.125000"/>
+                                          </p:val>
+                                        </p:tav>
+                                        <p:tav tm="100000">
+                                          <p:val>
+                                            <p:strVal val="#ppt_y"/>
+                                          </p:val>
+                                        </p:tav>
+                                      </p:tavLst>
+                                    </p:anim>
+                                    <p:animEffect transition="in" filter="wipe(up)">
+                                      <p:cBhvr>
+                                        <p:cTn id="8" dur="500"/>
+                                        <p:tgtEl>
+                                          <p:spTgt spid="9"/>
+                                        </p:tgtEl>
+                                      </p:cBhvr>
+                                    </p:animEffect>
+                                  </p:childTnLst>
+                                </p:cTn>
+                              </p:par>
+                            </p:childTnLst>
+                          </p:cTn>
+                        </p:par>
+                      </p:childTnLst>
+                    </p:cTn>
+                  </p:par>
+                  <p:par>
+                    <p:cTn id="9" fill="hold">
+                      <p:stCondLst>
+                        <p:cond delay="indefinite"/>
+                      </p:stCondLst>
+                      <p:childTnLst>
+                        <p:par>
+                          <p:cTn id="10" fill="hold">
+                            <p:stCondLst>
+                              <p:cond delay="0"/>
+                            </p:stCondLst>
+                            <p:childTnLst>
+                              <p:par>
+                                <p:cTn id="11" presetID="12" presetClass="entr" presetSubtype="4" fill="hold" nodeType="clickEffect">
+                                  <p:stCondLst>
+                                    <p:cond delay="0"/>
+                                  </p:stCondLst>
+                                  <p:childTnLst>
+                                    <p:set>
+                                      <p:cBhvr>
+                                        <p:cTn id="12" dur="1" fill="hold">
+                                          <p:stCondLst>
+                                            <p:cond delay="0"/>
+                                          </p:stCondLst>
+                                        </p:cTn>
+                                        <p:tgtEl>
+                                          <p:spTgt spid="8"/>
+                                        </p:tgtEl>
+                                        <p:attrNameLst>
+                                          <p:attrName>style.visibility</p:attrName>
+                                        </p:attrNameLst>
+                                      </p:cBhvr>
+                                      <p:to>
+                                        <p:strVal val="visible"/>
+                                      </p:to>
+                                    </p:set>
+                                    <p:anim calcmode="lin" valueType="num">
+                                      <p:cBhvr additive="base">
+                                        <p:cTn id="13" dur="500"/>
+                                        <p:tgtEl>
+                                          <p:spTgt spid="8"/>
+                                        </p:tgtEl>
+                                        <p:attrNameLst>
+                                          <p:attrName>ppt_y</p:attrName>
+                                        </p:attrNameLst>
+                                      </p:cBhvr>
+                                      <p:tavLst>
+                                        <p:tav tm="0">
+                                          <p:val>
+                                            <p:strVal val="#ppt_y+#ppt_h*1.125000"/>
+                                          </p:val>
+                                        </p:tav>
+                                        <p:tav tm="100000">
+                                          <p:val>
+                                            <p:strVal val="#ppt_y"/>
+                                          </p:val>
+                                        </p:tav>
+                                      </p:tavLst>
+                                    </p:anim>
+                                    <p:animEffect transition="in" filter="wipe(up)">
+                                      <p:cBhvr>
+                                        <p:cTn id="14" dur="500"/>
+                                        <p:tgtEl>
+                                          <p:spTgt spid="8"/>
+                                        </p:tgtEl>
+                                      </p:cBhvr>
+                                    </p:animEffect>
+                                  </p:childTnLst>
+                                </p:cTn>
+                              </p:par>
+                            </p:childTnLst>
+                          </p:cTn>
+                        </p:par>
+                      </p:childTnLst>
+                    </p:cTn>
+                  </p:par>
+                </p:childTnLst>
+              </p:cTn>
+              <p:prevCondLst>
+                <p:cond evt="onPrev" delay="0">
+                  <p:tgtEl>
+                    <p:sldTgt/>
+                  </p:tgtEl>
+                </p:cond>
+              </p:prevCondLst>
+              <p:nextCondLst>
+                <p:cond evt="onNext" delay="0">
+                  <p:tgtEl>
+                    <p:sldTgt/>
+                  </p:tgtEl>
+                </p:cond>
+              </p:nextCondLst>
+            </p:seq>
+          </p:childTnLst>
+        </p:cTn>
+      </p:par>
+    </p:tnLst>
+  </p:timing>
 </p:sld>
 </file>
 
@@ -20948,6 +21895,297 @@
       </p:transition>
     </mc:Fallback>
   </mc:AlternateContent>
+  <p:timing>
+    <p:tnLst>
+      <p:par>
+        <p:cTn id="1" dur="indefinite" restart="never" nodeType="tmRoot">
+          <p:childTnLst>
+            <p:seq concurrent="1" nextAc="seek">
+              <p:cTn id="2" dur="indefinite" nodeType="mainSeq">
+                <p:childTnLst>
+                  <p:par>
+                    <p:cTn id="3" fill="hold">
+                      <p:stCondLst>
+                        <p:cond delay="indefinite"/>
+                        <p:cond evt="onBegin" delay="0">
+                          <p:tn val="2"/>
+                        </p:cond>
+                      </p:stCondLst>
+                      <p:childTnLst>
+                        <p:par>
+                          <p:cTn id="4" fill="hold">
+                            <p:stCondLst>
+                              <p:cond delay="0"/>
+                            </p:stCondLst>
+                            <p:childTnLst>
+                              <p:par>
+                                <p:cTn id="5" presetID="10" presetClass="entr" presetSubtype="0" fill="hold" nodeType="afterEffect">
+                                  <p:stCondLst>
+                                    <p:cond delay="0"/>
+                                  </p:stCondLst>
+                                  <p:childTnLst>
+                                    <p:set>
+                                      <p:cBhvr>
+                                        <p:cTn id="6" dur="1" fill="hold">
+                                          <p:stCondLst>
+                                            <p:cond delay="0"/>
+                                          </p:stCondLst>
+                                        </p:cTn>
+                                        <p:tgtEl>
+                                          <p:spTgt spid="5"/>
+                                        </p:tgtEl>
+                                        <p:attrNameLst>
+                                          <p:attrName>style.visibility</p:attrName>
+                                        </p:attrNameLst>
+                                      </p:cBhvr>
+                                      <p:to>
+                                        <p:strVal val="visible"/>
+                                      </p:to>
+                                    </p:set>
+                                    <p:animEffect transition="in" filter="fade">
+                                      <p:cBhvr>
+                                        <p:cTn id="7" dur="500"/>
+                                        <p:tgtEl>
+                                          <p:spTgt spid="5"/>
+                                        </p:tgtEl>
+                                      </p:cBhvr>
+                                    </p:animEffect>
+                                  </p:childTnLst>
+                                </p:cTn>
+                              </p:par>
+                            </p:childTnLst>
+                          </p:cTn>
+                        </p:par>
+                      </p:childTnLst>
+                    </p:cTn>
+                  </p:par>
+                  <p:par>
+                    <p:cTn id="8" fill="hold">
+                      <p:stCondLst>
+                        <p:cond delay="indefinite"/>
+                      </p:stCondLst>
+                      <p:childTnLst>
+                        <p:par>
+                          <p:cTn id="9" fill="hold">
+                            <p:stCondLst>
+                              <p:cond delay="0"/>
+                            </p:stCondLst>
+                            <p:childTnLst>
+                              <p:par>
+                                <p:cTn id="10" presetID="21" presetClass="entr" presetSubtype="1" fill="hold" nodeType="clickEffect">
+                                  <p:stCondLst>
+                                    <p:cond delay="0"/>
+                                  </p:stCondLst>
+                                  <p:childTnLst>
+                                    <p:set>
+                                      <p:cBhvr>
+                                        <p:cTn id="11" dur="1" fill="hold">
+                                          <p:stCondLst>
+                                            <p:cond delay="0"/>
+                                          </p:stCondLst>
+                                        </p:cTn>
+                                        <p:tgtEl>
+                                          <p:spTgt spid="7"/>
+                                        </p:tgtEl>
+                                        <p:attrNameLst>
+                                          <p:attrName>style.visibility</p:attrName>
+                                        </p:attrNameLst>
+                                      </p:cBhvr>
+                                      <p:to>
+                                        <p:strVal val="visible"/>
+                                      </p:to>
+                                    </p:set>
+                                    <p:animEffect transition="in" filter="wheel(1)">
+                                      <p:cBhvr>
+                                        <p:cTn id="12" dur="1000"/>
+                                        <p:tgtEl>
+                                          <p:spTgt spid="7"/>
+                                        </p:tgtEl>
+                                      </p:cBhvr>
+                                    </p:animEffect>
+                                  </p:childTnLst>
+                                </p:cTn>
+                              </p:par>
+                            </p:childTnLst>
+                          </p:cTn>
+                        </p:par>
+                      </p:childTnLst>
+                    </p:cTn>
+                  </p:par>
+                  <p:par>
+                    <p:cTn id="13" fill="hold">
+                      <p:stCondLst>
+                        <p:cond delay="indefinite"/>
+                      </p:stCondLst>
+                      <p:childTnLst>
+                        <p:par>
+                          <p:cTn id="14" fill="hold">
+                            <p:stCondLst>
+                              <p:cond delay="0"/>
+                            </p:stCondLst>
+                            <p:childTnLst>
+                              <p:par>
+                                <p:cTn id="15" presetID="22" presetClass="entr" presetSubtype="8" fill="hold" nodeType="clickEffect">
+                                  <p:stCondLst>
+                                    <p:cond delay="0"/>
+                                  </p:stCondLst>
+                                  <p:childTnLst>
+                                    <p:set>
+                                      <p:cBhvr>
+                                        <p:cTn id="16" dur="1" fill="hold">
+                                          <p:stCondLst>
+                                            <p:cond delay="0"/>
+                                          </p:stCondLst>
+                                        </p:cTn>
+                                        <p:tgtEl>
+                                          <p:spTgt spid="9"/>
+                                        </p:tgtEl>
+                                        <p:attrNameLst>
+                                          <p:attrName>style.visibility</p:attrName>
+                                        </p:attrNameLst>
+                                      </p:cBhvr>
+                                      <p:to>
+                                        <p:strVal val="visible"/>
+                                      </p:to>
+                                    </p:set>
+                                    <p:animEffect transition="in" filter="wipe(left)">
+                                      <p:cBhvr>
+                                        <p:cTn id="17" dur="500"/>
+                                        <p:tgtEl>
+                                          <p:spTgt spid="9"/>
+                                        </p:tgtEl>
+                                      </p:cBhvr>
+                                    </p:animEffect>
+                                  </p:childTnLst>
+                                </p:cTn>
+                              </p:par>
+                            </p:childTnLst>
+                          </p:cTn>
+                        </p:par>
+                      </p:childTnLst>
+                    </p:cTn>
+                  </p:par>
+                  <p:par>
+                    <p:cTn id="18" fill="hold">
+                      <p:stCondLst>
+                        <p:cond delay="indefinite"/>
+                      </p:stCondLst>
+                      <p:childTnLst>
+                        <p:par>
+                          <p:cTn id="19" fill="hold">
+                            <p:stCondLst>
+                              <p:cond delay="0"/>
+                            </p:stCondLst>
+                            <p:childTnLst>
+                              <p:par>
+                                <p:cTn id="20" presetID="55" presetClass="entr" presetSubtype="0" fill="hold" nodeType="clickEffect">
+                                  <p:stCondLst>
+                                    <p:cond delay="0"/>
+                                  </p:stCondLst>
+                                  <p:childTnLst>
+                                    <p:set>
+                                      <p:cBhvr>
+                                        <p:cTn id="21" dur="1" fill="hold">
+                                          <p:stCondLst>
+                                            <p:cond delay="0"/>
+                                          </p:stCondLst>
+                                        </p:cTn>
+                                        <p:tgtEl>
+                                          <p:spTgt spid="11"/>
+                                        </p:tgtEl>
+                                        <p:attrNameLst>
+                                          <p:attrName>style.visibility</p:attrName>
+                                        </p:attrNameLst>
+                                      </p:cBhvr>
+                                      <p:to>
+                                        <p:strVal val="visible"/>
+                                      </p:to>
+                                    </p:set>
+                                    <p:anim calcmode="lin" valueType="num">
+                                      <p:cBhvr>
+                                        <p:cTn id="22" dur="1000" fill="hold"/>
+                                        <p:tgtEl>
+                                          <p:spTgt spid="11"/>
+                                        </p:tgtEl>
+                                        <p:attrNameLst>
+                                          <p:attrName>ppt_w</p:attrName>
+                                        </p:attrNameLst>
+                                      </p:cBhvr>
+                                      <p:tavLst>
+                                        <p:tav tm="0">
+                                          <p:val>
+                                            <p:strVal val="#ppt_w*0.70"/>
+                                          </p:val>
+                                        </p:tav>
+                                        <p:tav tm="100000">
+                                          <p:val>
+                                            <p:strVal val="#ppt_w"/>
+                                          </p:val>
+                                        </p:tav>
+                                      </p:tavLst>
+                                    </p:anim>
+                                    <p:anim calcmode="lin" valueType="num">
+                                      <p:cBhvr>
+                                        <p:cTn id="23" dur="1000" fill="hold"/>
+                                        <p:tgtEl>
+                                          <p:spTgt spid="11"/>
+                                        </p:tgtEl>
+                                        <p:attrNameLst>
+                                          <p:attrName>ppt_h</p:attrName>
+                                        </p:attrNameLst>
+                                      </p:cBhvr>
+                                      <p:tavLst>
+                                        <p:tav tm="0">
+                                          <p:val>
+                                            <p:strVal val="#ppt_h"/>
+                                          </p:val>
+                                        </p:tav>
+                                        <p:tav tm="100000">
+                                          <p:val>
+                                            <p:strVal val="#ppt_h"/>
+                                          </p:val>
+                                        </p:tav>
+                                      </p:tavLst>
+                                    </p:anim>
+                                    <p:animEffect transition="in" filter="fade">
+                                      <p:cBhvr>
+                                        <p:cTn id="24" dur="1000"/>
+                                        <p:tgtEl>
+                                          <p:spTgt spid="11"/>
+                                        </p:tgtEl>
+                                      </p:cBhvr>
+                                    </p:animEffect>
+                                  </p:childTnLst>
+                                </p:cTn>
+                              </p:par>
+                            </p:childTnLst>
+                          </p:cTn>
+                        </p:par>
+                      </p:childTnLst>
+                    </p:cTn>
+                  </p:par>
+                </p:childTnLst>
+              </p:cTn>
+              <p:prevCondLst>
+                <p:cond evt="onPrev" delay="0">
+                  <p:tgtEl>
+                    <p:sldTgt/>
+                  </p:tgtEl>
+                </p:cond>
+              </p:prevCondLst>
+              <p:nextCondLst>
+                <p:cond evt="onNext" delay="0">
+                  <p:tgtEl>
+                    <p:sldTgt/>
+                  </p:tgtEl>
+                </p:cond>
+              </p:nextCondLst>
+            </p:seq>
+          </p:childTnLst>
+        </p:cTn>
+      </p:par>
+    </p:tnLst>
+  </p:timing>
 </p:sld>
 </file>
 
@@ -21213,7 +22451,7 @@
         </p:blipFill>
         <p:spPr>
           <a:xfrm>
-            <a:off x="1465448" y="-59278"/>
+            <a:off x="1321432" y="77454"/>
             <a:ext cx="9257928" cy="3966787"/>
           </a:xfrm>
           <a:prstGeom prst="rect">
@@ -21221,6 +22459,65 @@
           </a:prstGeom>
         </p:spPr>
       </p:pic>
+      <p:sp>
+        <p:nvSpPr>
+          <p:cNvPr id="2" name="椭圆 1">
+            <a:extLst>
+              <a:ext uri="{FF2B5EF4-FFF2-40B4-BE49-F238E27FC236}">
+                <a16:creationId xmlns:a16="http://schemas.microsoft.com/office/drawing/2014/main" id="{3C7DF912-1E7B-9547-BADA-190BCB24BEDC}"/>
+              </a:ext>
+            </a:extLst>
+          </p:cNvPr>
+          <p:cNvSpPr/>
+          <p:nvPr/>
+        </p:nvSpPr>
+        <p:spPr>
+          <a:xfrm>
+            <a:off x="4942284" y="2204864"/>
+            <a:ext cx="1440160" cy="648072"/>
+          </a:xfrm>
+          <a:prstGeom prst="ellipse">
+            <a:avLst/>
+          </a:prstGeom>
+          <a:noFill/>
+          <a:ln>
+            <a:solidFill>
+              <a:srgbClr val="FF0000"/>
+            </a:solidFill>
+          </a:ln>
+        </p:spPr>
+        <p:style>
+          <a:lnRef idx="2">
+            <a:schemeClr val="accent1">
+              <a:shade val="50000"/>
+            </a:schemeClr>
+          </a:lnRef>
+          <a:fillRef idx="1">
+            <a:schemeClr val="accent1"/>
+          </a:fillRef>
+          <a:effectRef idx="0">
+            <a:schemeClr val="accent1"/>
+          </a:effectRef>
+          <a:fontRef idx="minor">
+            <a:schemeClr val="lt1"/>
+          </a:fontRef>
+        </p:style>
+        <p:txBody>
+          <a:bodyPr rtlCol="0" anchor="ctr"/>
+          <a:lstStyle/>
+          <a:p>
+            <a:pPr algn="ctr"/>
+            <a:endParaRPr kumimoji="1" lang="zh-CN" altLang="en-US">
+              <a:ln>
+                <a:solidFill>
+                  <a:srgbClr val="FF0000"/>
+                </a:solidFill>
+              </a:ln>
+              <a:noFill/>
+            </a:endParaRPr>
+          </a:p>
+        </p:txBody>
+      </p:sp>
     </p:spTree>
     <p:extLst>
       <p:ext uri="{BB962C8B-B14F-4D97-AF65-F5344CB8AC3E}">
@@ -21243,6 +22540,92 @@
       </p:transition>
     </mc:Fallback>
   </mc:AlternateContent>
+  <p:timing>
+    <p:tnLst>
+      <p:par>
+        <p:cTn id="1" dur="indefinite" restart="never" nodeType="tmRoot">
+          <p:childTnLst>
+            <p:seq concurrent="1" nextAc="seek">
+              <p:cTn id="2" dur="indefinite" nodeType="mainSeq">
+                <p:childTnLst>
+                  <p:par>
+                    <p:cTn id="3" fill="hold">
+                      <p:stCondLst>
+                        <p:cond delay="indefinite"/>
+                      </p:stCondLst>
+                      <p:childTnLst>
+                        <p:par>
+                          <p:cTn id="4" fill="hold">
+                            <p:stCondLst>
+                              <p:cond delay="0"/>
+                            </p:stCondLst>
+                            <p:childTnLst>
+                              <p:par>
+                                <p:cTn id="5" presetID="21" presetClass="entr" presetSubtype="1" fill="hold" grpId="0" nodeType="clickEffect">
+                                  <p:stCondLst>
+                                    <p:cond delay="0"/>
+                                  </p:stCondLst>
+                                  <p:childTnLst>
+                                    <p:set>
+                                      <p:cBhvr>
+                                        <p:cTn id="6" dur="1" fill="hold">
+                                          <p:stCondLst>
+                                            <p:cond delay="0"/>
+                                          </p:stCondLst>
+                                        </p:cTn>
+                                        <p:tgtEl>
+                                          <p:spTgt spid="2"/>
+                                        </p:tgtEl>
+                                        <p:attrNameLst>
+                                          <p:attrName>style.visibility</p:attrName>
+                                        </p:attrNameLst>
+                                      </p:cBhvr>
+                                      <p:to>
+                                        <p:strVal val="visible"/>
+                                      </p:to>
+                                    </p:set>
+                                    <p:animEffect transition="in" filter="wheel(1)">
+                                      <p:cBhvr>
+                                        <p:cTn id="7" dur="2000"/>
+                                        <p:tgtEl>
+                                          <p:spTgt spid="2"/>
+                                        </p:tgtEl>
+                                      </p:cBhvr>
+                                    </p:animEffect>
+                                  </p:childTnLst>
+                                </p:cTn>
+                              </p:par>
+                            </p:childTnLst>
+                          </p:cTn>
+                        </p:par>
+                      </p:childTnLst>
+                    </p:cTn>
+                  </p:par>
+                </p:childTnLst>
+              </p:cTn>
+              <p:prevCondLst>
+                <p:cond evt="onPrev" delay="0">
+                  <p:tgtEl>
+                    <p:sldTgt/>
+                  </p:tgtEl>
+                </p:cond>
+              </p:prevCondLst>
+              <p:nextCondLst>
+                <p:cond evt="onNext" delay="0">
+                  <p:tgtEl>
+                    <p:sldTgt/>
+                  </p:tgtEl>
+                </p:cond>
+              </p:nextCondLst>
+            </p:seq>
+          </p:childTnLst>
+        </p:cTn>
+      </p:par>
+    </p:tnLst>
+    <p:bldLst>
+      <p:bldP spid="2" grpId="0" animBg="1"/>
+    </p:bldLst>
+  </p:timing>
 </p:sld>
 </file>
 
@@ -21587,6 +22970,140 @@
       </p:transition>
     </mc:Fallback>
   </mc:AlternateContent>
+  <p:timing>
+    <p:tnLst>
+      <p:par>
+        <p:cTn id="1" dur="indefinite" restart="never" nodeType="tmRoot">
+          <p:childTnLst>
+            <p:seq concurrent="1" nextAc="seek">
+              <p:cTn id="2" dur="indefinite" nodeType="mainSeq">
+                <p:childTnLst>
+                  <p:par>
+                    <p:cTn id="3" fill="hold">
+                      <p:stCondLst>
+                        <p:cond delay="indefinite"/>
+                      </p:stCondLst>
+                      <p:childTnLst>
+                        <p:par>
+                          <p:cTn id="4" fill="hold">
+                            <p:stCondLst>
+                              <p:cond delay="0"/>
+                            </p:stCondLst>
+                            <p:childTnLst>
+                              <p:par>
+                                <p:cTn id="5" presetID="55" presetClass="entr" presetSubtype="0" fill="hold" grpId="0" nodeType="clickEffect">
+                                  <p:stCondLst>
+                                    <p:cond delay="0"/>
+                                  </p:stCondLst>
+                                  <p:childTnLst>
+                                    <p:set>
+                                      <p:cBhvr>
+                                        <p:cTn id="6" dur="1" fill="hold">
+                                          <p:stCondLst>
+                                            <p:cond delay="0"/>
+                                          </p:stCondLst>
+                                        </p:cTn>
+                                        <p:tgtEl>
+                                          <p:spTgt spid="4"/>
+                                        </p:tgtEl>
+                                        <p:attrNameLst>
+                                          <p:attrName>style.visibility</p:attrName>
+                                        </p:attrNameLst>
+                                      </p:cBhvr>
+                                      <p:to>
+                                        <p:strVal val="visible"/>
+                                      </p:to>
+                                    </p:set>
+                                    <p:anim calcmode="lin" valueType="num">
+                                      <p:cBhvr>
+                                        <p:cTn id="7" dur="1000" fill="hold"/>
+                                        <p:tgtEl>
+                                          <p:spTgt spid="4"/>
+                                        </p:tgtEl>
+                                        <p:attrNameLst>
+                                          <p:attrName>ppt_w</p:attrName>
+                                        </p:attrNameLst>
+                                      </p:cBhvr>
+                                      <p:tavLst>
+                                        <p:tav tm="0">
+                                          <p:val>
+                                            <p:strVal val="#ppt_w*0.70"/>
+                                          </p:val>
+                                        </p:tav>
+                                        <p:tav tm="100000">
+                                          <p:val>
+                                            <p:strVal val="#ppt_w"/>
+                                          </p:val>
+                                        </p:tav>
+                                      </p:tavLst>
+                                    </p:anim>
+                                    <p:anim calcmode="lin" valueType="num">
+                                      <p:cBhvr>
+                                        <p:cTn id="8" dur="1000" fill="hold"/>
+                                        <p:tgtEl>
+                                          <p:spTgt spid="4"/>
+                                        </p:tgtEl>
+                                        <p:attrNameLst>
+                                          <p:attrName>ppt_h</p:attrName>
+                                        </p:attrNameLst>
+                                      </p:cBhvr>
+                                      <p:tavLst>
+                                        <p:tav tm="0">
+                                          <p:val>
+                                            <p:strVal val="#ppt_h"/>
+                                          </p:val>
+                                        </p:tav>
+                                        <p:tav tm="100000">
+                                          <p:val>
+                                            <p:strVal val="#ppt_h"/>
+                                          </p:val>
+                                        </p:tav>
+                                      </p:tavLst>
+                                    </p:anim>
+                                    <p:animEffect transition="in" filter="fade">
+                                      <p:cBhvr>
+                                        <p:cTn id="9" dur="1000"/>
+                                        <p:tgtEl>
+                                          <p:spTgt spid="4"/>
+                                        </p:tgtEl>
+                                      </p:cBhvr>
+                                    </p:animEffect>
+                                  </p:childTnLst>
+                                </p:cTn>
+                              </p:par>
+                            </p:childTnLst>
+                          </p:cTn>
+                        </p:par>
+                      </p:childTnLst>
+                    </p:cTn>
+                  </p:par>
+                </p:childTnLst>
+              </p:cTn>
+              <p:prevCondLst>
+                <p:cond evt="onPrev" delay="0">
+                  <p:tgtEl>
+                    <p:sldTgt/>
+                  </p:tgtEl>
+                </p:cond>
+              </p:prevCondLst>
+              <p:nextCondLst>
+                <p:cond evt="onNext" delay="0">
+                  <p:tgtEl>
+                    <p:sldTgt/>
+                  </p:tgtEl>
+                </p:cond>
+              </p:nextCondLst>
+            </p:seq>
+          </p:childTnLst>
+        </p:cTn>
+      </p:par>
+    </p:tnLst>
+    <p:bldLst>
+      <p:bldGraphic spid="4" grpId="0">
+        <p:bldAsOne/>
+      </p:bldGraphic>
+    </p:bldLst>
+  </p:timing>
 </p:sld>
 </file>
 
@@ -22260,6 +23777,140 @@
       </p:transition>
     </mc:Fallback>
   </mc:AlternateContent>
+  <p:timing>
+    <p:tnLst>
+      <p:par>
+        <p:cTn id="1" dur="indefinite" restart="never" nodeType="tmRoot">
+          <p:childTnLst>
+            <p:seq concurrent="1" nextAc="seek">
+              <p:cTn id="2" dur="indefinite" nodeType="mainSeq">
+                <p:childTnLst>
+                  <p:par>
+                    <p:cTn id="3" fill="hold">
+                      <p:stCondLst>
+                        <p:cond delay="indefinite"/>
+                      </p:stCondLst>
+                      <p:childTnLst>
+                        <p:par>
+                          <p:cTn id="4" fill="hold">
+                            <p:stCondLst>
+                              <p:cond delay="0"/>
+                            </p:stCondLst>
+                            <p:childTnLst>
+                              <p:par>
+                                <p:cTn id="5" presetID="55" presetClass="entr" presetSubtype="0" fill="hold" grpId="0" nodeType="clickEffect">
+                                  <p:stCondLst>
+                                    <p:cond delay="0"/>
+                                  </p:stCondLst>
+                                  <p:childTnLst>
+                                    <p:set>
+                                      <p:cBhvr>
+                                        <p:cTn id="6" dur="1" fill="hold">
+                                          <p:stCondLst>
+                                            <p:cond delay="0"/>
+                                          </p:stCondLst>
+                                        </p:cTn>
+                                        <p:tgtEl>
+                                          <p:spTgt spid="4"/>
+                                        </p:tgtEl>
+                                        <p:attrNameLst>
+                                          <p:attrName>style.visibility</p:attrName>
+                                        </p:attrNameLst>
+                                      </p:cBhvr>
+                                      <p:to>
+                                        <p:strVal val="visible"/>
+                                      </p:to>
+                                    </p:set>
+                                    <p:anim calcmode="lin" valueType="num">
+                                      <p:cBhvr>
+                                        <p:cTn id="7" dur="1000" fill="hold"/>
+                                        <p:tgtEl>
+                                          <p:spTgt spid="4"/>
+                                        </p:tgtEl>
+                                        <p:attrNameLst>
+                                          <p:attrName>ppt_w</p:attrName>
+                                        </p:attrNameLst>
+                                      </p:cBhvr>
+                                      <p:tavLst>
+                                        <p:tav tm="0">
+                                          <p:val>
+                                            <p:strVal val="#ppt_w*0.70"/>
+                                          </p:val>
+                                        </p:tav>
+                                        <p:tav tm="100000">
+                                          <p:val>
+                                            <p:strVal val="#ppt_w"/>
+                                          </p:val>
+                                        </p:tav>
+                                      </p:tavLst>
+                                    </p:anim>
+                                    <p:anim calcmode="lin" valueType="num">
+                                      <p:cBhvr>
+                                        <p:cTn id="8" dur="1000" fill="hold"/>
+                                        <p:tgtEl>
+                                          <p:spTgt spid="4"/>
+                                        </p:tgtEl>
+                                        <p:attrNameLst>
+                                          <p:attrName>ppt_h</p:attrName>
+                                        </p:attrNameLst>
+                                      </p:cBhvr>
+                                      <p:tavLst>
+                                        <p:tav tm="0">
+                                          <p:val>
+                                            <p:strVal val="#ppt_h"/>
+                                          </p:val>
+                                        </p:tav>
+                                        <p:tav tm="100000">
+                                          <p:val>
+                                            <p:strVal val="#ppt_h"/>
+                                          </p:val>
+                                        </p:tav>
+                                      </p:tavLst>
+                                    </p:anim>
+                                    <p:animEffect transition="in" filter="fade">
+                                      <p:cBhvr>
+                                        <p:cTn id="9" dur="1000"/>
+                                        <p:tgtEl>
+                                          <p:spTgt spid="4"/>
+                                        </p:tgtEl>
+                                      </p:cBhvr>
+                                    </p:animEffect>
+                                  </p:childTnLst>
+                                </p:cTn>
+                              </p:par>
+                            </p:childTnLst>
+                          </p:cTn>
+                        </p:par>
+                      </p:childTnLst>
+                    </p:cTn>
+                  </p:par>
+                </p:childTnLst>
+              </p:cTn>
+              <p:prevCondLst>
+                <p:cond evt="onPrev" delay="0">
+                  <p:tgtEl>
+                    <p:sldTgt/>
+                  </p:tgtEl>
+                </p:cond>
+              </p:prevCondLst>
+              <p:nextCondLst>
+                <p:cond evt="onNext" delay="0">
+                  <p:tgtEl>
+                    <p:sldTgt/>
+                  </p:tgtEl>
+                </p:cond>
+              </p:nextCondLst>
+            </p:seq>
+          </p:childTnLst>
+        </p:cTn>
+      </p:par>
+    </p:tnLst>
+    <p:bldLst>
+      <p:bldGraphic spid="4" grpId="0">
+        <p:bldAsOne/>
+      </p:bldGraphic>
+    </p:bldLst>
+  </p:timing>
 </p:sld>
 </file>
 
@@ -22551,6 +24202,520 @@
       </p:transition>
     </mc:Fallback>
   </mc:AlternateContent>
+  <p:timing>
+    <p:tnLst>
+      <p:par>
+        <p:cTn id="1" dur="indefinite" restart="never" nodeType="tmRoot">
+          <p:childTnLst>
+            <p:seq concurrent="1" nextAc="seek">
+              <p:cTn id="2" dur="indefinite" nodeType="mainSeq">
+                <p:childTnLst>
+                  <p:par>
+                    <p:cTn id="3" fill="hold">
+                      <p:stCondLst>
+                        <p:cond delay="indefinite"/>
+                      </p:stCondLst>
+                      <p:childTnLst>
+                        <p:par>
+                          <p:cTn id="4" fill="hold">
+                            <p:stCondLst>
+                              <p:cond delay="0"/>
+                            </p:stCondLst>
+                            <p:childTnLst>
+                              <p:par>
+                                <p:cTn id="5" presetID="10" presetClass="entr" presetSubtype="0" fill="hold" nodeType="clickEffect">
+                                  <p:stCondLst>
+                                    <p:cond delay="0"/>
+                                  </p:stCondLst>
+                                  <p:childTnLst>
+                                    <p:set>
+                                      <p:cBhvr>
+                                        <p:cTn id="6" dur="1" fill="hold">
+                                          <p:stCondLst>
+                                            <p:cond delay="0"/>
+                                          </p:stCondLst>
+                                        </p:cTn>
+                                        <p:tgtEl>
+                                          <p:spTgt spid="3">
+                                            <p:txEl>
+                                              <p:pRg st="0" end="0"/>
+                                            </p:txEl>
+                                          </p:spTgt>
+                                        </p:tgtEl>
+                                        <p:attrNameLst>
+                                          <p:attrName>style.visibility</p:attrName>
+                                        </p:attrNameLst>
+                                      </p:cBhvr>
+                                      <p:to>
+                                        <p:strVal val="visible"/>
+                                      </p:to>
+                                    </p:set>
+                                    <p:animEffect transition="in" filter="fade">
+                                      <p:cBhvr>
+                                        <p:cTn id="7" dur="500"/>
+                                        <p:tgtEl>
+                                          <p:spTgt spid="3">
+                                            <p:txEl>
+                                              <p:pRg st="0" end="0"/>
+                                            </p:txEl>
+                                          </p:spTgt>
+                                        </p:tgtEl>
+                                      </p:cBhvr>
+                                    </p:animEffect>
+                                  </p:childTnLst>
+                                </p:cTn>
+                              </p:par>
+                              <p:par>
+                                <p:cTn id="8" presetID="10" presetClass="entr" presetSubtype="0" fill="hold" nodeType="withEffect">
+                                  <p:stCondLst>
+                                    <p:cond delay="0"/>
+                                  </p:stCondLst>
+                                  <p:childTnLst>
+                                    <p:set>
+                                      <p:cBhvr>
+                                        <p:cTn id="9" dur="1" fill="hold">
+                                          <p:stCondLst>
+                                            <p:cond delay="0"/>
+                                          </p:stCondLst>
+                                        </p:cTn>
+                                        <p:tgtEl>
+                                          <p:spTgt spid="3">
+                                            <p:txEl>
+                                              <p:pRg st="1" end="1"/>
+                                            </p:txEl>
+                                          </p:spTgt>
+                                        </p:tgtEl>
+                                        <p:attrNameLst>
+                                          <p:attrName>style.visibility</p:attrName>
+                                        </p:attrNameLst>
+                                      </p:cBhvr>
+                                      <p:to>
+                                        <p:strVal val="visible"/>
+                                      </p:to>
+                                    </p:set>
+                                    <p:animEffect transition="in" filter="fade">
+                                      <p:cBhvr>
+                                        <p:cTn id="10" dur="500"/>
+                                        <p:tgtEl>
+                                          <p:spTgt spid="3">
+                                            <p:txEl>
+                                              <p:pRg st="1" end="1"/>
+                                            </p:txEl>
+                                          </p:spTgt>
+                                        </p:tgtEl>
+                                      </p:cBhvr>
+                                    </p:animEffect>
+                                  </p:childTnLst>
+                                </p:cTn>
+                              </p:par>
+                              <p:par>
+                                <p:cTn id="11" presetID="10" presetClass="entr" presetSubtype="0" fill="hold" nodeType="withEffect">
+                                  <p:stCondLst>
+                                    <p:cond delay="0"/>
+                                  </p:stCondLst>
+                                  <p:childTnLst>
+                                    <p:set>
+                                      <p:cBhvr>
+                                        <p:cTn id="12" dur="1" fill="hold">
+                                          <p:stCondLst>
+                                            <p:cond delay="0"/>
+                                          </p:stCondLst>
+                                        </p:cTn>
+                                        <p:tgtEl>
+                                          <p:spTgt spid="3">
+                                            <p:txEl>
+                                              <p:pRg st="2" end="2"/>
+                                            </p:txEl>
+                                          </p:spTgt>
+                                        </p:tgtEl>
+                                        <p:attrNameLst>
+                                          <p:attrName>style.visibility</p:attrName>
+                                        </p:attrNameLst>
+                                      </p:cBhvr>
+                                      <p:to>
+                                        <p:strVal val="visible"/>
+                                      </p:to>
+                                    </p:set>
+                                    <p:animEffect transition="in" filter="fade">
+                                      <p:cBhvr>
+                                        <p:cTn id="13" dur="500"/>
+                                        <p:tgtEl>
+                                          <p:spTgt spid="3">
+                                            <p:txEl>
+                                              <p:pRg st="2" end="2"/>
+                                            </p:txEl>
+                                          </p:spTgt>
+                                        </p:tgtEl>
+                                      </p:cBhvr>
+                                    </p:animEffect>
+                                  </p:childTnLst>
+                                </p:cTn>
+                              </p:par>
+                            </p:childTnLst>
+                          </p:cTn>
+                        </p:par>
+                      </p:childTnLst>
+                    </p:cTn>
+                  </p:par>
+                  <p:par>
+                    <p:cTn id="14" fill="hold">
+                      <p:stCondLst>
+                        <p:cond delay="indefinite"/>
+                      </p:stCondLst>
+                      <p:childTnLst>
+                        <p:par>
+                          <p:cTn id="15" fill="hold">
+                            <p:stCondLst>
+                              <p:cond delay="0"/>
+                            </p:stCondLst>
+                            <p:childTnLst>
+                              <p:par>
+                                <p:cTn id="16" presetID="10" presetClass="entr" presetSubtype="0" fill="hold" nodeType="clickEffect">
+                                  <p:stCondLst>
+                                    <p:cond delay="0"/>
+                                  </p:stCondLst>
+                                  <p:childTnLst>
+                                    <p:set>
+                                      <p:cBhvr>
+                                        <p:cTn id="17" dur="1" fill="hold">
+                                          <p:stCondLst>
+                                            <p:cond delay="0"/>
+                                          </p:stCondLst>
+                                        </p:cTn>
+                                        <p:tgtEl>
+                                          <p:spTgt spid="3">
+                                            <p:txEl>
+                                              <p:pRg st="3" end="3"/>
+                                            </p:txEl>
+                                          </p:spTgt>
+                                        </p:tgtEl>
+                                        <p:attrNameLst>
+                                          <p:attrName>style.visibility</p:attrName>
+                                        </p:attrNameLst>
+                                      </p:cBhvr>
+                                      <p:to>
+                                        <p:strVal val="visible"/>
+                                      </p:to>
+                                    </p:set>
+                                    <p:animEffect transition="in" filter="fade">
+                                      <p:cBhvr>
+                                        <p:cTn id="18" dur="500"/>
+                                        <p:tgtEl>
+                                          <p:spTgt spid="3">
+                                            <p:txEl>
+                                              <p:pRg st="3" end="3"/>
+                                            </p:txEl>
+                                          </p:spTgt>
+                                        </p:tgtEl>
+                                      </p:cBhvr>
+                                    </p:animEffect>
+                                  </p:childTnLst>
+                                </p:cTn>
+                              </p:par>
+                              <p:par>
+                                <p:cTn id="19" presetID="10" presetClass="entr" presetSubtype="0" fill="hold" nodeType="withEffect">
+                                  <p:stCondLst>
+                                    <p:cond delay="0"/>
+                                  </p:stCondLst>
+                                  <p:childTnLst>
+                                    <p:set>
+                                      <p:cBhvr>
+                                        <p:cTn id="20" dur="1" fill="hold">
+                                          <p:stCondLst>
+                                            <p:cond delay="0"/>
+                                          </p:stCondLst>
+                                        </p:cTn>
+                                        <p:tgtEl>
+                                          <p:spTgt spid="3">
+                                            <p:txEl>
+                                              <p:pRg st="4" end="4"/>
+                                            </p:txEl>
+                                          </p:spTgt>
+                                        </p:tgtEl>
+                                        <p:attrNameLst>
+                                          <p:attrName>style.visibility</p:attrName>
+                                        </p:attrNameLst>
+                                      </p:cBhvr>
+                                      <p:to>
+                                        <p:strVal val="visible"/>
+                                      </p:to>
+                                    </p:set>
+                                    <p:animEffect transition="in" filter="fade">
+                                      <p:cBhvr>
+                                        <p:cTn id="21" dur="500"/>
+                                        <p:tgtEl>
+                                          <p:spTgt spid="3">
+                                            <p:txEl>
+                                              <p:pRg st="4" end="4"/>
+                                            </p:txEl>
+                                          </p:spTgt>
+                                        </p:tgtEl>
+                                      </p:cBhvr>
+                                    </p:animEffect>
+                                  </p:childTnLst>
+                                </p:cTn>
+                              </p:par>
+                              <p:par>
+                                <p:cTn id="22" presetID="10" presetClass="entr" presetSubtype="0" fill="hold" nodeType="withEffect">
+                                  <p:stCondLst>
+                                    <p:cond delay="0"/>
+                                  </p:stCondLst>
+                                  <p:childTnLst>
+                                    <p:set>
+                                      <p:cBhvr>
+                                        <p:cTn id="23" dur="1" fill="hold">
+                                          <p:stCondLst>
+                                            <p:cond delay="0"/>
+                                          </p:stCondLst>
+                                        </p:cTn>
+                                        <p:tgtEl>
+                                          <p:spTgt spid="3">
+                                            <p:txEl>
+                                              <p:pRg st="5" end="5"/>
+                                            </p:txEl>
+                                          </p:spTgt>
+                                        </p:tgtEl>
+                                        <p:attrNameLst>
+                                          <p:attrName>style.visibility</p:attrName>
+                                        </p:attrNameLst>
+                                      </p:cBhvr>
+                                      <p:to>
+                                        <p:strVal val="visible"/>
+                                      </p:to>
+                                    </p:set>
+                                    <p:animEffect transition="in" filter="fade">
+                                      <p:cBhvr>
+                                        <p:cTn id="24" dur="500"/>
+                                        <p:tgtEl>
+                                          <p:spTgt spid="3">
+                                            <p:txEl>
+                                              <p:pRg st="5" end="5"/>
+                                            </p:txEl>
+                                          </p:spTgt>
+                                        </p:tgtEl>
+                                      </p:cBhvr>
+                                    </p:animEffect>
+                                  </p:childTnLst>
+                                </p:cTn>
+                              </p:par>
+                              <p:par>
+                                <p:cTn id="25" presetID="10" presetClass="entr" presetSubtype="0" fill="hold" nodeType="withEffect">
+                                  <p:stCondLst>
+                                    <p:cond delay="0"/>
+                                  </p:stCondLst>
+                                  <p:childTnLst>
+                                    <p:set>
+                                      <p:cBhvr>
+                                        <p:cTn id="26" dur="1" fill="hold">
+                                          <p:stCondLst>
+                                            <p:cond delay="0"/>
+                                          </p:stCondLst>
+                                        </p:cTn>
+                                        <p:tgtEl>
+                                          <p:spTgt spid="3">
+                                            <p:txEl>
+                                              <p:pRg st="6" end="6"/>
+                                            </p:txEl>
+                                          </p:spTgt>
+                                        </p:tgtEl>
+                                        <p:attrNameLst>
+                                          <p:attrName>style.visibility</p:attrName>
+                                        </p:attrNameLst>
+                                      </p:cBhvr>
+                                      <p:to>
+                                        <p:strVal val="visible"/>
+                                      </p:to>
+                                    </p:set>
+                                    <p:animEffect transition="in" filter="fade">
+                                      <p:cBhvr>
+                                        <p:cTn id="27" dur="500"/>
+                                        <p:tgtEl>
+                                          <p:spTgt spid="3">
+                                            <p:txEl>
+                                              <p:pRg st="6" end="6"/>
+                                            </p:txEl>
+                                          </p:spTgt>
+                                        </p:tgtEl>
+                                      </p:cBhvr>
+                                    </p:animEffect>
+                                  </p:childTnLst>
+                                </p:cTn>
+                              </p:par>
+                              <p:par>
+                                <p:cTn id="28" presetID="10" presetClass="entr" presetSubtype="0" fill="hold" nodeType="withEffect">
+                                  <p:stCondLst>
+                                    <p:cond delay="0"/>
+                                  </p:stCondLst>
+                                  <p:childTnLst>
+                                    <p:set>
+                                      <p:cBhvr>
+                                        <p:cTn id="29" dur="1" fill="hold">
+                                          <p:stCondLst>
+                                            <p:cond delay="0"/>
+                                          </p:stCondLst>
+                                        </p:cTn>
+                                        <p:tgtEl>
+                                          <p:spTgt spid="3">
+                                            <p:txEl>
+                                              <p:pRg st="7" end="7"/>
+                                            </p:txEl>
+                                          </p:spTgt>
+                                        </p:tgtEl>
+                                        <p:attrNameLst>
+                                          <p:attrName>style.visibility</p:attrName>
+                                        </p:attrNameLst>
+                                      </p:cBhvr>
+                                      <p:to>
+                                        <p:strVal val="visible"/>
+                                      </p:to>
+                                    </p:set>
+                                    <p:animEffect transition="in" filter="fade">
+                                      <p:cBhvr>
+                                        <p:cTn id="30" dur="500"/>
+                                        <p:tgtEl>
+                                          <p:spTgt spid="3">
+                                            <p:txEl>
+                                              <p:pRg st="7" end="7"/>
+                                            </p:txEl>
+                                          </p:spTgt>
+                                        </p:tgtEl>
+                                      </p:cBhvr>
+                                    </p:animEffect>
+                                  </p:childTnLst>
+                                </p:cTn>
+                              </p:par>
+                            </p:childTnLst>
+                          </p:cTn>
+                        </p:par>
+                      </p:childTnLst>
+                    </p:cTn>
+                  </p:par>
+                  <p:par>
+                    <p:cTn id="31" fill="hold">
+                      <p:stCondLst>
+                        <p:cond delay="indefinite"/>
+                      </p:stCondLst>
+                      <p:childTnLst>
+                        <p:par>
+                          <p:cTn id="32" fill="hold">
+                            <p:stCondLst>
+                              <p:cond delay="0"/>
+                            </p:stCondLst>
+                            <p:childTnLst>
+                              <p:par>
+                                <p:cTn id="33" presetID="10" presetClass="entr" presetSubtype="0" fill="hold" nodeType="clickEffect">
+                                  <p:stCondLst>
+                                    <p:cond delay="0"/>
+                                  </p:stCondLst>
+                                  <p:childTnLst>
+                                    <p:set>
+                                      <p:cBhvr>
+                                        <p:cTn id="34" dur="1" fill="hold">
+                                          <p:stCondLst>
+                                            <p:cond delay="0"/>
+                                          </p:stCondLst>
+                                        </p:cTn>
+                                        <p:tgtEl>
+                                          <p:spTgt spid="3">
+                                            <p:txEl>
+                                              <p:pRg st="8" end="8"/>
+                                            </p:txEl>
+                                          </p:spTgt>
+                                        </p:tgtEl>
+                                        <p:attrNameLst>
+                                          <p:attrName>style.visibility</p:attrName>
+                                        </p:attrNameLst>
+                                      </p:cBhvr>
+                                      <p:to>
+                                        <p:strVal val="visible"/>
+                                      </p:to>
+                                    </p:set>
+                                    <p:animEffect transition="in" filter="fade">
+                                      <p:cBhvr>
+                                        <p:cTn id="35" dur="500"/>
+                                        <p:tgtEl>
+                                          <p:spTgt spid="3">
+                                            <p:txEl>
+                                              <p:pRg st="8" end="8"/>
+                                            </p:txEl>
+                                          </p:spTgt>
+                                        </p:tgtEl>
+                                      </p:cBhvr>
+                                    </p:animEffect>
+                                  </p:childTnLst>
+                                </p:cTn>
+                              </p:par>
+                              <p:par>
+                                <p:cTn id="36" presetID="10" presetClass="entr" presetSubtype="0" fill="hold" nodeType="withEffect">
+                                  <p:stCondLst>
+                                    <p:cond delay="0"/>
+                                  </p:stCondLst>
+                                  <p:childTnLst>
+                                    <p:set>
+                                      <p:cBhvr>
+                                        <p:cTn id="37" dur="1" fill="hold">
+                                          <p:stCondLst>
+                                            <p:cond delay="0"/>
+                                          </p:stCondLst>
+                                        </p:cTn>
+                                        <p:tgtEl>
+                                          <p:spTgt spid="3">
+                                            <p:txEl>
+                                              <p:pRg st="9" end="9"/>
+                                            </p:txEl>
+                                          </p:spTgt>
+                                        </p:tgtEl>
+                                        <p:attrNameLst>
+                                          <p:attrName>style.visibility</p:attrName>
+                                        </p:attrNameLst>
+                                      </p:cBhvr>
+                                      <p:to>
+                                        <p:strVal val="visible"/>
+                                      </p:to>
+                                    </p:set>
+                                    <p:animEffect transition="in" filter="fade">
+                                      <p:cBhvr>
+                                        <p:cTn id="38" dur="500"/>
+                                        <p:tgtEl>
+                                          <p:spTgt spid="3">
+                                            <p:txEl>
+                                              <p:pRg st="9" end="9"/>
+                                            </p:txEl>
+                                          </p:spTgt>
+                                        </p:tgtEl>
+                                      </p:cBhvr>
+                                    </p:animEffect>
+                                  </p:childTnLst>
+                                </p:cTn>
+                              </p:par>
+                            </p:childTnLst>
+                          </p:cTn>
+                        </p:par>
+                      </p:childTnLst>
+                    </p:cTn>
+                  </p:par>
+                </p:childTnLst>
+              </p:cTn>
+              <p:prevCondLst>
+                <p:cond evt="onPrev" delay="0">
+                  <p:tgtEl>
+                    <p:sldTgt/>
+                  </p:tgtEl>
+                </p:cond>
+              </p:prevCondLst>
+              <p:nextCondLst>
+                <p:cond evt="onNext" delay="0">
+                  <p:tgtEl>
+                    <p:sldTgt/>
+                  </p:tgtEl>
+                </p:cond>
+              </p:nextCondLst>
+            </p:seq>
+          </p:childTnLst>
+        </p:cTn>
+      </p:par>
+    </p:tnLst>
+  </p:timing>
 </p:sld>
 </file>
 
@@ -22630,9 +24795,24 @@
             <a:pPr lvl="1"/>
             <a:r>
               <a:rPr kumimoji="1" lang="zh-CN" altLang="en-US" dirty="0"/>
+              <a:t>模型由谁来使用</a:t>
+            </a:r>
+            <a:endParaRPr kumimoji="1" lang="en-US" altLang="zh-CN" dirty="0"/>
+          </a:p>
+          <a:p>
+            <a:pPr lvl="1"/>
+            <a:r>
+              <a:rPr kumimoji="1" lang="zh-CN" altLang="en-US" dirty="0"/>
               <a:t>是否做过模型构建的文字阐述</a:t>
             </a:r>
             <a:endParaRPr kumimoji="1" lang="en-US" altLang="zh-CN" dirty="0"/>
+          </a:p>
+          <a:p>
+            <a:pPr lvl="1"/>
+            <a:r>
+              <a:rPr kumimoji="1" lang="zh-CN" altLang="en-US" dirty="0"/>
+              <a:t>建模者的倾向是否影响结果</a:t>
+            </a:r>
           </a:p>
           <a:p>
             <a:pPr lvl="1"/>
@@ -22674,21 +24854,6 @@
             </a:r>
             <a:endParaRPr kumimoji="1" lang="en-US" altLang="zh-CN" dirty="0"/>
           </a:p>
-          <a:p>
-            <a:pPr lvl="1"/>
-            <a:r>
-              <a:rPr kumimoji="1" lang="zh-CN" altLang="en-US" dirty="0"/>
-              <a:t>模型由谁来使用</a:t>
-            </a:r>
-            <a:endParaRPr kumimoji="1" lang="en-US" altLang="zh-CN" dirty="0"/>
-          </a:p>
-          <a:p>
-            <a:pPr lvl="1"/>
-            <a:r>
-              <a:rPr kumimoji="1" lang="zh-CN" altLang="en-US" dirty="0"/>
-              <a:t>建模者的倾向是否影响结果</a:t>
-            </a:r>
-          </a:p>
         </p:txBody>
       </p:sp>
     </p:spTree>
@@ -22713,6 +24878,543 @@
       </p:transition>
     </mc:Fallback>
   </mc:AlternateContent>
+  <p:timing>
+    <p:tnLst>
+      <p:par>
+        <p:cTn id="1" dur="indefinite" restart="never" nodeType="tmRoot">
+          <p:childTnLst>
+            <p:seq concurrent="1" nextAc="seek">
+              <p:cTn id="2" dur="indefinite" nodeType="mainSeq">
+                <p:childTnLst>
+                  <p:par>
+                    <p:cTn id="3" fill="hold">
+                      <p:stCondLst>
+                        <p:cond delay="indefinite"/>
+                        <p:cond evt="onBegin" delay="0">
+                          <p:tn val="2"/>
+                        </p:cond>
+                      </p:stCondLst>
+                      <p:childTnLst>
+                        <p:par>
+                          <p:cTn id="4" fill="hold">
+                            <p:stCondLst>
+                              <p:cond delay="0"/>
+                            </p:stCondLst>
+                            <p:childTnLst>
+                              <p:par>
+                                <p:cTn id="5" presetID="10" presetClass="entr" presetSubtype="0" fill="hold" nodeType="afterEffect">
+                                  <p:stCondLst>
+                                    <p:cond delay="0"/>
+                                  </p:stCondLst>
+                                  <p:childTnLst>
+                                    <p:set>
+                                      <p:cBhvr>
+                                        <p:cTn id="6" dur="1" fill="hold">
+                                          <p:stCondLst>
+                                            <p:cond delay="0"/>
+                                          </p:stCondLst>
+                                        </p:cTn>
+                                        <p:tgtEl>
+                                          <p:spTgt spid="3">
+                                            <p:txEl>
+                                              <p:pRg st="0" end="0"/>
+                                            </p:txEl>
+                                          </p:spTgt>
+                                        </p:tgtEl>
+                                        <p:attrNameLst>
+                                          <p:attrName>style.visibility</p:attrName>
+                                        </p:attrNameLst>
+                                      </p:cBhvr>
+                                      <p:to>
+                                        <p:strVal val="visible"/>
+                                      </p:to>
+                                    </p:set>
+                                    <p:animEffect transition="in" filter="fade">
+                                      <p:cBhvr>
+                                        <p:cTn id="7" dur="500"/>
+                                        <p:tgtEl>
+                                          <p:spTgt spid="3">
+                                            <p:txEl>
+                                              <p:pRg st="0" end="0"/>
+                                            </p:txEl>
+                                          </p:spTgt>
+                                        </p:tgtEl>
+                                      </p:cBhvr>
+                                    </p:animEffect>
+                                  </p:childTnLst>
+                                </p:cTn>
+                              </p:par>
+                            </p:childTnLst>
+                          </p:cTn>
+                        </p:par>
+                      </p:childTnLst>
+                    </p:cTn>
+                  </p:par>
+                  <p:par>
+                    <p:cTn id="8" fill="hold">
+                      <p:stCondLst>
+                        <p:cond delay="indefinite"/>
+                      </p:stCondLst>
+                      <p:childTnLst>
+                        <p:par>
+                          <p:cTn id="9" fill="hold">
+                            <p:stCondLst>
+                              <p:cond delay="0"/>
+                            </p:stCondLst>
+                            <p:childTnLst>
+                              <p:par>
+                                <p:cTn id="10" presetID="10" presetClass="entr" presetSubtype="0" fill="hold" nodeType="clickEffect">
+                                  <p:stCondLst>
+                                    <p:cond delay="0"/>
+                                  </p:stCondLst>
+                                  <p:childTnLst>
+                                    <p:set>
+                                      <p:cBhvr>
+                                        <p:cTn id="11" dur="1" fill="hold">
+                                          <p:stCondLst>
+                                            <p:cond delay="0"/>
+                                          </p:stCondLst>
+                                        </p:cTn>
+                                        <p:tgtEl>
+                                          <p:spTgt spid="3">
+                                            <p:txEl>
+                                              <p:pRg st="1" end="1"/>
+                                            </p:txEl>
+                                          </p:spTgt>
+                                        </p:tgtEl>
+                                        <p:attrNameLst>
+                                          <p:attrName>style.visibility</p:attrName>
+                                        </p:attrNameLst>
+                                      </p:cBhvr>
+                                      <p:to>
+                                        <p:strVal val="visible"/>
+                                      </p:to>
+                                    </p:set>
+                                    <p:animEffect transition="in" filter="fade">
+                                      <p:cBhvr>
+                                        <p:cTn id="12" dur="500"/>
+                                        <p:tgtEl>
+                                          <p:spTgt spid="3">
+                                            <p:txEl>
+                                              <p:pRg st="1" end="1"/>
+                                            </p:txEl>
+                                          </p:spTgt>
+                                        </p:tgtEl>
+                                      </p:cBhvr>
+                                    </p:animEffect>
+                                  </p:childTnLst>
+                                </p:cTn>
+                              </p:par>
+                            </p:childTnLst>
+                          </p:cTn>
+                        </p:par>
+                        <p:par>
+                          <p:cTn id="13" fill="hold">
+                            <p:stCondLst>
+                              <p:cond delay="500"/>
+                            </p:stCondLst>
+                            <p:childTnLst>
+                              <p:par>
+                                <p:cTn id="14" presetID="10" presetClass="entr" presetSubtype="0" fill="hold" nodeType="afterEffect">
+                                  <p:stCondLst>
+                                    <p:cond delay="0"/>
+                                  </p:stCondLst>
+                                  <p:childTnLst>
+                                    <p:set>
+                                      <p:cBhvr>
+                                        <p:cTn id="15" dur="1" fill="hold">
+                                          <p:stCondLst>
+                                            <p:cond delay="0"/>
+                                          </p:stCondLst>
+                                        </p:cTn>
+                                        <p:tgtEl>
+                                          <p:spTgt spid="3">
+                                            <p:txEl>
+                                              <p:pRg st="2" end="2"/>
+                                            </p:txEl>
+                                          </p:spTgt>
+                                        </p:tgtEl>
+                                        <p:attrNameLst>
+                                          <p:attrName>style.visibility</p:attrName>
+                                        </p:attrNameLst>
+                                      </p:cBhvr>
+                                      <p:to>
+                                        <p:strVal val="visible"/>
+                                      </p:to>
+                                    </p:set>
+                                    <p:animEffect transition="in" filter="fade">
+                                      <p:cBhvr>
+                                        <p:cTn id="16" dur="500"/>
+                                        <p:tgtEl>
+                                          <p:spTgt spid="3">
+                                            <p:txEl>
+                                              <p:pRg st="2" end="2"/>
+                                            </p:txEl>
+                                          </p:spTgt>
+                                        </p:tgtEl>
+                                      </p:cBhvr>
+                                    </p:animEffect>
+                                  </p:childTnLst>
+                                </p:cTn>
+                              </p:par>
+                            </p:childTnLst>
+                          </p:cTn>
+                        </p:par>
+                        <p:par>
+                          <p:cTn id="17" fill="hold">
+                            <p:stCondLst>
+                              <p:cond delay="1000"/>
+                            </p:stCondLst>
+                            <p:childTnLst>
+                              <p:par>
+                                <p:cTn id="18" presetID="10" presetClass="entr" presetSubtype="0" fill="hold" nodeType="afterEffect">
+                                  <p:stCondLst>
+                                    <p:cond delay="0"/>
+                                  </p:stCondLst>
+                                  <p:childTnLst>
+                                    <p:set>
+                                      <p:cBhvr>
+                                        <p:cTn id="19" dur="1" fill="hold">
+                                          <p:stCondLst>
+                                            <p:cond delay="0"/>
+                                          </p:stCondLst>
+                                        </p:cTn>
+                                        <p:tgtEl>
+                                          <p:spTgt spid="3">
+                                            <p:txEl>
+                                              <p:pRg st="3" end="3"/>
+                                            </p:txEl>
+                                          </p:spTgt>
+                                        </p:tgtEl>
+                                        <p:attrNameLst>
+                                          <p:attrName>style.visibility</p:attrName>
+                                        </p:attrNameLst>
+                                      </p:cBhvr>
+                                      <p:to>
+                                        <p:strVal val="visible"/>
+                                      </p:to>
+                                    </p:set>
+                                    <p:animEffect transition="in" filter="fade">
+                                      <p:cBhvr>
+                                        <p:cTn id="20" dur="500"/>
+                                        <p:tgtEl>
+                                          <p:spTgt spid="3">
+                                            <p:txEl>
+                                              <p:pRg st="3" end="3"/>
+                                            </p:txEl>
+                                          </p:spTgt>
+                                        </p:tgtEl>
+                                      </p:cBhvr>
+                                    </p:animEffect>
+                                  </p:childTnLst>
+                                </p:cTn>
+                              </p:par>
+                            </p:childTnLst>
+                          </p:cTn>
+                        </p:par>
+                      </p:childTnLst>
+                    </p:cTn>
+                  </p:par>
+                  <p:par>
+                    <p:cTn id="21" fill="hold">
+                      <p:stCondLst>
+                        <p:cond delay="indefinite"/>
+                      </p:stCondLst>
+                      <p:childTnLst>
+                        <p:par>
+                          <p:cTn id="22" fill="hold">
+                            <p:stCondLst>
+                              <p:cond delay="0"/>
+                            </p:stCondLst>
+                            <p:childTnLst>
+                              <p:par>
+                                <p:cTn id="23" presetID="10" presetClass="entr" presetSubtype="0" fill="hold" nodeType="clickEffect">
+                                  <p:stCondLst>
+                                    <p:cond delay="0"/>
+                                  </p:stCondLst>
+                                  <p:childTnLst>
+                                    <p:set>
+                                      <p:cBhvr>
+                                        <p:cTn id="24" dur="1" fill="hold">
+                                          <p:stCondLst>
+                                            <p:cond delay="0"/>
+                                          </p:stCondLst>
+                                        </p:cTn>
+                                        <p:tgtEl>
+                                          <p:spTgt spid="3">
+                                            <p:txEl>
+                                              <p:pRg st="4" end="4"/>
+                                            </p:txEl>
+                                          </p:spTgt>
+                                        </p:tgtEl>
+                                        <p:attrNameLst>
+                                          <p:attrName>style.visibility</p:attrName>
+                                        </p:attrNameLst>
+                                      </p:cBhvr>
+                                      <p:to>
+                                        <p:strVal val="visible"/>
+                                      </p:to>
+                                    </p:set>
+                                    <p:animEffect transition="in" filter="fade">
+                                      <p:cBhvr>
+                                        <p:cTn id="25" dur="500"/>
+                                        <p:tgtEl>
+                                          <p:spTgt spid="3">
+                                            <p:txEl>
+                                              <p:pRg st="4" end="4"/>
+                                            </p:txEl>
+                                          </p:spTgt>
+                                        </p:tgtEl>
+                                      </p:cBhvr>
+                                    </p:animEffect>
+                                  </p:childTnLst>
+                                </p:cTn>
+                              </p:par>
+                            </p:childTnLst>
+                          </p:cTn>
+                        </p:par>
+                        <p:par>
+                          <p:cTn id="26" fill="hold">
+                            <p:stCondLst>
+                              <p:cond delay="500"/>
+                            </p:stCondLst>
+                            <p:childTnLst>
+                              <p:par>
+                                <p:cTn id="27" presetID="10" presetClass="entr" presetSubtype="0" fill="hold" nodeType="afterEffect">
+                                  <p:stCondLst>
+                                    <p:cond delay="0"/>
+                                  </p:stCondLst>
+                                  <p:childTnLst>
+                                    <p:set>
+                                      <p:cBhvr>
+                                        <p:cTn id="28" dur="1" fill="hold">
+                                          <p:stCondLst>
+                                            <p:cond delay="0"/>
+                                          </p:stCondLst>
+                                        </p:cTn>
+                                        <p:tgtEl>
+                                          <p:spTgt spid="3">
+                                            <p:txEl>
+                                              <p:pRg st="5" end="5"/>
+                                            </p:txEl>
+                                          </p:spTgt>
+                                        </p:tgtEl>
+                                        <p:attrNameLst>
+                                          <p:attrName>style.visibility</p:attrName>
+                                        </p:attrNameLst>
+                                      </p:cBhvr>
+                                      <p:to>
+                                        <p:strVal val="visible"/>
+                                      </p:to>
+                                    </p:set>
+                                    <p:animEffect transition="in" filter="fade">
+                                      <p:cBhvr>
+                                        <p:cTn id="29" dur="500"/>
+                                        <p:tgtEl>
+                                          <p:spTgt spid="3">
+                                            <p:txEl>
+                                              <p:pRg st="5" end="5"/>
+                                            </p:txEl>
+                                          </p:spTgt>
+                                        </p:tgtEl>
+                                      </p:cBhvr>
+                                    </p:animEffect>
+                                  </p:childTnLst>
+                                </p:cTn>
+                              </p:par>
+                            </p:childTnLst>
+                          </p:cTn>
+                        </p:par>
+                      </p:childTnLst>
+                    </p:cTn>
+                  </p:par>
+                  <p:par>
+                    <p:cTn id="30" fill="hold">
+                      <p:stCondLst>
+                        <p:cond delay="indefinite"/>
+                      </p:stCondLst>
+                      <p:childTnLst>
+                        <p:par>
+                          <p:cTn id="31" fill="hold">
+                            <p:stCondLst>
+                              <p:cond delay="0"/>
+                            </p:stCondLst>
+                            <p:childTnLst>
+                              <p:par>
+                                <p:cTn id="32" presetID="10" presetClass="entr" presetSubtype="0" fill="hold" nodeType="clickEffect">
+                                  <p:stCondLst>
+                                    <p:cond delay="0"/>
+                                  </p:stCondLst>
+                                  <p:childTnLst>
+                                    <p:set>
+                                      <p:cBhvr>
+                                        <p:cTn id="33" dur="1" fill="hold">
+                                          <p:stCondLst>
+                                            <p:cond delay="0"/>
+                                          </p:stCondLst>
+                                        </p:cTn>
+                                        <p:tgtEl>
+                                          <p:spTgt spid="3">
+                                            <p:txEl>
+                                              <p:pRg st="6" end="6"/>
+                                            </p:txEl>
+                                          </p:spTgt>
+                                        </p:tgtEl>
+                                        <p:attrNameLst>
+                                          <p:attrName>style.visibility</p:attrName>
+                                        </p:attrNameLst>
+                                      </p:cBhvr>
+                                      <p:to>
+                                        <p:strVal val="visible"/>
+                                      </p:to>
+                                    </p:set>
+                                    <p:animEffect transition="in" filter="fade">
+                                      <p:cBhvr>
+                                        <p:cTn id="34" dur="500"/>
+                                        <p:tgtEl>
+                                          <p:spTgt spid="3">
+                                            <p:txEl>
+                                              <p:pRg st="6" end="6"/>
+                                            </p:txEl>
+                                          </p:spTgt>
+                                        </p:tgtEl>
+                                      </p:cBhvr>
+                                    </p:animEffect>
+                                  </p:childTnLst>
+                                </p:cTn>
+                              </p:par>
+                            </p:childTnLst>
+                          </p:cTn>
+                        </p:par>
+                        <p:par>
+                          <p:cTn id="35" fill="hold">
+                            <p:stCondLst>
+                              <p:cond delay="500"/>
+                            </p:stCondLst>
+                            <p:childTnLst>
+                              <p:par>
+                                <p:cTn id="36" presetID="10" presetClass="entr" presetSubtype="0" fill="hold" nodeType="afterEffect">
+                                  <p:stCondLst>
+                                    <p:cond delay="0"/>
+                                  </p:stCondLst>
+                                  <p:childTnLst>
+                                    <p:set>
+                                      <p:cBhvr>
+                                        <p:cTn id="37" dur="1" fill="hold">
+                                          <p:stCondLst>
+                                            <p:cond delay="0"/>
+                                          </p:stCondLst>
+                                        </p:cTn>
+                                        <p:tgtEl>
+                                          <p:spTgt spid="3">
+                                            <p:txEl>
+                                              <p:pRg st="7" end="7"/>
+                                            </p:txEl>
+                                          </p:spTgt>
+                                        </p:tgtEl>
+                                        <p:attrNameLst>
+                                          <p:attrName>style.visibility</p:attrName>
+                                        </p:attrNameLst>
+                                      </p:cBhvr>
+                                      <p:to>
+                                        <p:strVal val="visible"/>
+                                      </p:to>
+                                    </p:set>
+                                    <p:animEffect transition="in" filter="fade">
+                                      <p:cBhvr>
+                                        <p:cTn id="38" dur="500"/>
+                                        <p:tgtEl>
+                                          <p:spTgt spid="3">
+                                            <p:txEl>
+                                              <p:pRg st="7" end="7"/>
+                                            </p:txEl>
+                                          </p:spTgt>
+                                        </p:tgtEl>
+                                      </p:cBhvr>
+                                    </p:animEffect>
+                                  </p:childTnLst>
+                                </p:cTn>
+                              </p:par>
+                            </p:childTnLst>
+                          </p:cTn>
+                        </p:par>
+                        <p:par>
+                          <p:cTn id="39" fill="hold">
+                            <p:stCondLst>
+                              <p:cond delay="1000"/>
+                            </p:stCondLst>
+                            <p:childTnLst>
+                              <p:par>
+                                <p:cTn id="40" presetID="10" presetClass="entr" presetSubtype="0" fill="hold" nodeType="afterEffect">
+                                  <p:stCondLst>
+                                    <p:cond delay="0"/>
+                                  </p:stCondLst>
+                                  <p:childTnLst>
+                                    <p:set>
+                                      <p:cBhvr>
+                                        <p:cTn id="41" dur="1" fill="hold">
+                                          <p:stCondLst>
+                                            <p:cond delay="0"/>
+                                          </p:stCondLst>
+                                        </p:cTn>
+                                        <p:tgtEl>
+                                          <p:spTgt spid="3">
+                                            <p:txEl>
+                                              <p:pRg st="8" end="8"/>
+                                            </p:txEl>
+                                          </p:spTgt>
+                                        </p:tgtEl>
+                                        <p:attrNameLst>
+                                          <p:attrName>style.visibility</p:attrName>
+                                        </p:attrNameLst>
+                                      </p:cBhvr>
+                                      <p:to>
+                                        <p:strVal val="visible"/>
+                                      </p:to>
+                                    </p:set>
+                                    <p:animEffect transition="in" filter="fade">
+                                      <p:cBhvr>
+                                        <p:cTn id="42" dur="500"/>
+                                        <p:tgtEl>
+                                          <p:spTgt spid="3">
+                                            <p:txEl>
+                                              <p:pRg st="8" end="8"/>
+                                            </p:txEl>
+                                          </p:spTgt>
+                                        </p:tgtEl>
+                                      </p:cBhvr>
+                                    </p:animEffect>
+                                  </p:childTnLst>
+                                </p:cTn>
+                              </p:par>
+                            </p:childTnLst>
+                          </p:cTn>
+                        </p:par>
+                      </p:childTnLst>
+                    </p:cTn>
+                  </p:par>
+                </p:childTnLst>
+              </p:cTn>
+              <p:prevCondLst>
+                <p:cond evt="onPrev" delay="0">
+                  <p:tgtEl>
+                    <p:sldTgt/>
+                  </p:tgtEl>
+                </p:cond>
+              </p:prevCondLst>
+              <p:nextCondLst>
+                <p:cond evt="onNext" delay="0">
+                  <p:tgtEl>
+                    <p:sldTgt/>
+                  </p:tgtEl>
+                </p:cond>
+              </p:nextCondLst>
+            </p:seq>
+          </p:childTnLst>
+        </p:cTn>
+      </p:par>
+    </p:tnLst>
+  </p:timing>
 </p:sld>
 </file>
 
@@ -23311,35 +26013,29 @@
 
 <file path=customXml/item1.xml><?xml version="1.0" encoding="utf-8"?>
 <Control xmlns="http://schemas.microsoft.com/VisualStudio/2011/storyboarding/control">
-  <Id Name="System.Storyboarding.WindowsApps.WindowsAppsProgressRing" Revision="1" Stencil="System.Storyboarding.WindowsApps" StencilVersion="0.1"/>
+  <Id Name="System.Storyboarding.Common.TextInput" Revision="1" Stencil="System.Storyboarding.Common" StencilVersion="0.1"/>
 </Control>
 </file>
 
 <file path=customXml/item2.xml><?xml version="1.0" encoding="utf-8"?>
 <Control xmlns="http://schemas.microsoft.com/VisualStudio/2011/storyboarding/control">
-  <Id Name="System.Storyboarding.Common.TextInput" Revision="1" Stencil="System.Storyboarding.Common" StencilVersion="0.1"/>
+  <Id Name="System.Storyboarding.WindowsApps.WindowsAppsListBox" Revision="1" Stencil="System.Storyboarding.WindowsApps" StencilVersion="0.1"/>
 </Control>
 </file>
 
 <file path=customXml/item3.xml><?xml version="1.0" encoding="utf-8"?>
 <Control xmlns="http://schemas.microsoft.com/VisualStudio/2011/storyboarding/control">
-  <Id Name="System.Storyboarding.WindowsApps.WindowsAppsListBox" Revision="1" Stencil="System.Storyboarding.WindowsApps" StencilVersion="0.1"/>
+  <Id Name="System.Storyboarding.Annotation.StickyNote" Revision="1" Stencil="System.Storyboarding.Annotation" StencilVersion="0.1"/>
 </Control>
 </file>
 
 <file path=customXml/item4.xml><?xml version="1.0" encoding="utf-8"?>
 <Control xmlns="http://schemas.microsoft.com/VisualStudio/2011/storyboarding/control">
-  <Id Name="System.Storyboarding.Annotation.StickyNote" Revision="1" Stencil="System.Storyboarding.Annotation" StencilVersion="0.1"/>
+  <Id Name="System.Storyboarding.Common.DragSelection" Revision="1" Stencil="System.Storyboarding.Common" StencilVersion="0.1"/>
 </Control>
 </file>
 
 <file path=customXml/item5.xml><?xml version="1.0" encoding="utf-8"?>
-<Control xmlns="http://schemas.microsoft.com/VisualStudio/2011/storyboarding/control">
-  <Id Name="System.Storyboarding.Common.DragSelection" Revision="1" Stencil="System.Storyboarding.Common" StencilVersion="0.1"/>
-</Control>
-</file>
-
-<file path=customXml/item6.xml><?xml version="1.0" encoding="utf-8"?>
 <p:properties xmlns:p="http://schemas.microsoft.com/office/2006/metadata/properties" xmlns:xsi="http://www.w3.org/2001/XMLSchema-instance" xmlns:pc="http://schemas.microsoft.com/office/infopath/2007/PartnerControls">
   <documentManagement>
     <_dlc_DocId xmlns="b4ebf394-daf6-497a-96c5-a2f8c10b38cf">TT6HZDVJM2HV-178-321</_dlc_DocId>
@@ -23351,14 +26047,20 @@
 </p:properties>
 </file>
 
-<file path=customXml/item7.xml><?xml version="1.0" encoding="utf-8"?>
+<file path=customXml/item6.xml><?xml version="1.0" encoding="utf-8"?>
 <Control xmlns="http://schemas.microsoft.com/VisualStudio/2011/storyboarding/control">
   <Id Name="5e505f8e-b0aa-429a-bb4c-92ab0e8a8ee6" RevisionId="d2083f08-ba4f-4330-87aa-e4d23a4443d7" Stencil="172d6d98-e5c9-42e9-a209-79f7a94bbd38" StencilRevisionId="00000000-0000-0000-0000-000000000000" StencilVersion="0.0"/>
 </Control>
 </file>
 
+<file path=customXml/item7.xml><?xml version="1.0" encoding="utf-8"?>
+<Control xmlns="http://schemas.microsoft.com/VisualStudio/2011/storyboarding/control">
+  <Id Name="System.Storyboarding.WindowsApps.WindowsAppsProgressRing" Revision="1" Stencil="System.Storyboarding.WindowsApps" StencilVersion="0.1"/>
+</Control>
+</file>
+
 <file path=customXml/itemProps1.xml><?xml version="1.0" encoding="utf-8"?>
-<ds:datastoreItem xmlns:ds="http://schemas.openxmlformats.org/officeDocument/2006/customXml" ds:itemID="{EE994FE8-9D1B-4C75-9803-F4D3D8088B5B}">
+<ds:datastoreItem xmlns:ds="http://schemas.openxmlformats.org/officeDocument/2006/customXml" ds:itemID="{195C3A57-25C5-4CAC-A396-8711CE839175}">
   <ds:schemaRefs>
     <ds:schemaRef ds:uri="http://schemas.microsoft.com/VisualStudio/2011/storyboarding/control"/>
   </ds:schemaRefs>
@@ -23366,7 +26068,7 @@
 </file>
 
 <file path=customXml/itemProps2.xml><?xml version="1.0" encoding="utf-8"?>
-<ds:datastoreItem xmlns:ds="http://schemas.openxmlformats.org/officeDocument/2006/customXml" ds:itemID="{195C3A57-25C5-4CAC-A396-8711CE839175}">
+<ds:datastoreItem xmlns:ds="http://schemas.openxmlformats.org/officeDocument/2006/customXml" ds:itemID="{925928FA-66B2-4992-9AF7-6AAB34665E06}">
   <ds:schemaRefs>
     <ds:schemaRef ds:uri="http://schemas.microsoft.com/VisualStudio/2011/storyboarding/control"/>
   </ds:schemaRefs>
@@ -23374,7 +26076,7 @@
 </file>
 
 <file path=customXml/itemProps3.xml><?xml version="1.0" encoding="utf-8"?>
-<ds:datastoreItem xmlns:ds="http://schemas.openxmlformats.org/officeDocument/2006/customXml" ds:itemID="{925928FA-66B2-4992-9AF7-6AAB34665E06}">
+<ds:datastoreItem xmlns:ds="http://schemas.openxmlformats.org/officeDocument/2006/customXml" ds:itemID="{35CD12A2-2187-402A-B9D9-EF68624DB0B9}">
   <ds:schemaRefs>
     <ds:schemaRef ds:uri="http://schemas.microsoft.com/VisualStudio/2011/storyboarding/control"/>
   </ds:schemaRefs>
@@ -23382,7 +26084,7 @@
 </file>
 
 <file path=customXml/itemProps4.xml><?xml version="1.0" encoding="utf-8"?>
-<ds:datastoreItem xmlns:ds="http://schemas.openxmlformats.org/officeDocument/2006/customXml" ds:itemID="{35CD12A2-2187-402A-B9D9-EF68624DB0B9}">
+<ds:datastoreItem xmlns:ds="http://schemas.openxmlformats.org/officeDocument/2006/customXml" ds:itemID="{74F50758-6994-47AF-ADB4-84074E43B95D}">
   <ds:schemaRefs>
     <ds:schemaRef ds:uri="http://schemas.microsoft.com/VisualStudio/2011/storyboarding/control"/>
   </ds:schemaRefs>
@@ -23390,14 +26092,6 @@
 </file>
 
 <file path=customXml/itemProps5.xml><?xml version="1.0" encoding="utf-8"?>
-<ds:datastoreItem xmlns:ds="http://schemas.openxmlformats.org/officeDocument/2006/customXml" ds:itemID="{74F50758-6994-47AF-ADB4-84074E43B95D}">
-  <ds:schemaRefs>
-    <ds:schemaRef ds:uri="http://schemas.microsoft.com/VisualStudio/2011/storyboarding/control"/>
-  </ds:schemaRefs>
-</ds:datastoreItem>
-</file>
-
-<file path=customXml/itemProps6.xml><?xml version="1.0" encoding="utf-8"?>
 <ds:datastoreItem xmlns:ds="http://schemas.openxmlformats.org/officeDocument/2006/customXml" ds:itemID="{1322E1B6-B69B-4B1E-9F64-FFB1E4A65691}">
   <ds:schemaRefs>
     <ds:schemaRef ds:uri="http://schemas.microsoft.com/office/2006/metadata/properties"/>
@@ -23407,10 +26101,18 @@
 </ds:datastoreItem>
 </file>
 
-<file path=customXml/itemProps7.xml><?xml version="1.0" encoding="utf-8"?>
+<file path=customXml/itemProps6.xml><?xml version="1.0" encoding="utf-8"?>
 <ds:datastoreItem xmlns:ds="http://schemas.openxmlformats.org/officeDocument/2006/customXml" ds:itemID="{22271091-DDCE-44B5-B608-BB96BCA0C299}">
   <ds:schemaRefs>
     <ds:schemaRef ds:uri="http://schemas.microsoft.com/VisualStudio/2011/storyboarding/control"/>
   </ds:schemaRefs>
 </ds:datastoreItem>
+</file>
+
+<file path=customXml/itemProps7.xml><?xml version="1.0" encoding="utf-8"?>
+<ds:datastoreItem xmlns:ds="http://schemas.openxmlformats.org/officeDocument/2006/customXml" ds:itemID="{EE994FE8-9D1B-4C75-9803-F4D3D8088B5B}">
+  <ds:schemaRefs>
+    <ds:schemaRef ds:uri="http://schemas.microsoft.com/VisualStudio/2011/storyboarding/control"/>
+  </ds:schemaRefs>
+</ds:datastoreItem>
 </file>